--- a/final-pres-1.pptx
+++ b/final-pres-1.pptx
@@ -5,7 +5,7 @@
     <p:sldMasterId id="2147483648" r:id="rId3"/>
   </p:sldMasterIdLst>
   <p:notesMasterIdLst>
-    <p:notesMasterId r:id="rId32"/>
+    <p:notesMasterId r:id="rId33"/>
   </p:notesMasterIdLst>
   <p:sldIdLst>
     <p:sldId id="256" r:id="rId4"/>
@@ -33,9 +33,10 @@
     <p:sldId id="281" r:id="rId26"/>
     <p:sldId id="282" r:id="rId27"/>
     <p:sldId id="283" r:id="rId28"/>
-    <p:sldId id="269" r:id="rId29"/>
-    <p:sldId id="284" r:id="rId30"/>
-    <p:sldId id="263" r:id="rId31"/>
+    <p:sldId id="287" r:id="rId29"/>
+    <p:sldId id="269" r:id="rId30"/>
+    <p:sldId id="284" r:id="rId31"/>
+    <p:sldId id="263" r:id="rId32"/>
   </p:sldIdLst>
   <p:sldSz cx="9144000" cy="5143500" type="screen16x9"/>
   <p:notesSz cx="6858000" cy="9144000"/>
@@ -1103,7 +1104,7 @@
           <a:p>
             <a:fld id="{3153D443-CBAC-934A-8506-FB4DF260D863}" type="slidenum">
               <a:rPr lang="en-US" smtClean="0"/>
-              <a:t>26</a:t>
+              <a:t>27</a:t>
             </a:fld>
             <a:endParaRPr lang="en-US"/>
           </a:p>
@@ -10672,10 +10673,60 @@
       </p:grpSpPr>
       <p:sp>
         <p:nvSpPr>
-          <p:cNvPr id="2" name="Title 1">
+          <p:cNvPr id="2" name="Text Placeholder 1">
             <a:extLst>
               <a:ext uri="{FF2B5EF4-FFF2-40B4-BE49-F238E27FC236}">
-                <a16:creationId xmlns:a16="http://schemas.microsoft.com/office/drawing/2014/main" id="{B3DC529B-4E4C-1B41-A845-40FD3B103883}"/>
+                <a16:creationId xmlns:a16="http://schemas.microsoft.com/office/drawing/2014/main" id="{A5A7749C-5DF7-9D41-B3E4-FCAE6F364D46}"/>
+              </a:ext>
+            </a:extLst>
+          </p:cNvPr>
+          <p:cNvSpPr>
+            <a:spLocks noGrp="1"/>
+          </p:cNvSpPr>
+          <p:nvPr>
+            <p:ph type="body" sz="quarter" idx="13"/>
+          </p:nvPr>
+        </p:nvSpPr>
+        <p:spPr/>
+        <p:txBody>
+          <a:bodyPr/>
+          <a:lstStyle/>
+          <a:p>
+            <a:r>
+              <a:rPr lang="en-US" sz="2000" dirty="0"/>
+              <a:t>Try more models on it to deal with the imbalanced labels.</a:t>
+            </a:r>
+          </a:p>
+          <a:p>
+            <a:r>
+              <a:rPr lang="en-US" sz="2000" dirty="0"/>
+              <a:t>Dig into the interpretation of the models. </a:t>
+            </a:r>
+          </a:p>
+          <a:p>
+            <a:r>
+              <a:rPr lang="en-US" sz="2000" dirty="0"/>
+              <a:t>Find correlations between the features to make the model more accurate and reasonable. </a:t>
+            </a:r>
+          </a:p>
+          <a:p>
+            <a:pPr lvl="1"/>
+            <a:r>
+              <a:rPr lang="en-US" sz="1800" dirty="0"/>
+              <a:t>This is hard since all the features are in different format and we have done multiple transformation to the original feature. </a:t>
+            </a:r>
+          </a:p>
+          <a:p>
+            <a:endParaRPr lang="en-US" dirty="0"/>
+          </a:p>
+        </p:txBody>
+      </p:sp>
+      <p:sp>
+        <p:nvSpPr>
+          <p:cNvPr id="3" name="Title 2">
+            <a:extLst>
+              <a:ext uri="{FF2B5EF4-FFF2-40B4-BE49-F238E27FC236}">
+                <a16:creationId xmlns:a16="http://schemas.microsoft.com/office/drawing/2014/main" id="{6F58DB70-D46C-3341-83A0-10B431FE9AAB}"/>
               </a:ext>
             </a:extLst>
           </p:cNvPr>
@@ -10688,832 +10739,20 @@
         </p:nvSpPr>
         <p:spPr/>
         <p:txBody>
-          <a:bodyPr>
-            <a:normAutofit/>
-          </a:bodyPr>
+          <a:bodyPr/>
           <a:lstStyle/>
           <a:p>
             <a:r>
-              <a:rPr lang="en-US" altLang="zh-CN" dirty="0"/>
-              <a:t>Weapons</a:t>
-            </a:r>
-            <a:r>
-              <a:rPr lang="zh-CN" altLang="en-US" dirty="0"/>
-              <a:t> </a:t>
-            </a:r>
-            <a:r>
-              <a:rPr lang="en-US" altLang="zh-CN" dirty="0"/>
-              <a:t>of</a:t>
-            </a:r>
-            <a:r>
-              <a:rPr lang="zh-CN" altLang="en-US" dirty="0"/>
-              <a:t> </a:t>
-            </a:r>
-            <a:r>
-              <a:rPr lang="en-US" altLang="zh-CN" dirty="0"/>
-              <a:t>Math</a:t>
-            </a:r>
-            <a:r>
-              <a:rPr lang="zh-CN" altLang="en-US" dirty="0"/>
-              <a:t> </a:t>
-            </a:r>
-            <a:r>
-              <a:rPr lang="en-US" altLang="zh-CN" dirty="0"/>
-              <a:t>Destruction</a:t>
-            </a:r>
-            <a:endParaRPr lang="en-US" dirty="0"/>
-          </a:p>
-        </p:txBody>
-      </p:sp>
-      <p:sp>
-        <p:nvSpPr>
-          <p:cNvPr id="7" name="TextBox 6">
-            <a:extLst>
-              <a:ext uri="{FF2B5EF4-FFF2-40B4-BE49-F238E27FC236}">
-                <a16:creationId xmlns:a16="http://schemas.microsoft.com/office/drawing/2014/main" id="{C703E7C2-A6DA-5640-9587-4D7877F623B7}"/>
-              </a:ext>
-            </a:extLst>
-          </p:cNvPr>
-          <p:cNvSpPr txBox="1"/>
-          <p:nvPr/>
-        </p:nvSpPr>
-        <p:spPr>
-          <a:xfrm>
-            <a:off x="381000" y="1108151"/>
-            <a:ext cx="8305800" cy="3970318"/>
-          </a:xfrm>
-          <a:prstGeom prst="rect">
-            <a:avLst/>
-          </a:prstGeom>
-          <a:noFill/>
-        </p:spPr>
-        <p:txBody>
-          <a:bodyPr wrap="square" rtlCol="0">
-            <a:spAutoFit/>
-          </a:bodyPr>
-          <a:lstStyle/>
-          <a:p>
-            <a:r>
-              <a:rPr lang="en-US" altLang="zh-CN" dirty="0"/>
-              <a:t>Definition:</a:t>
-            </a:r>
-          </a:p>
-          <a:p>
-            <a:r>
-              <a:rPr lang="en-US" altLang="zh-CN" dirty="0"/>
-              <a:t>The</a:t>
-            </a:r>
-            <a:r>
-              <a:rPr lang="zh-CN" altLang="en-US" dirty="0"/>
-              <a:t> </a:t>
-            </a:r>
-            <a:r>
-              <a:rPr lang="en-US" altLang="zh-CN" dirty="0"/>
-              <a:t>outcome</a:t>
-            </a:r>
-            <a:r>
-              <a:rPr lang="zh-CN" altLang="en-US" dirty="0"/>
-              <a:t> </a:t>
-            </a:r>
-            <a:r>
-              <a:rPr lang="en-US" altLang="zh-CN" dirty="0"/>
-              <a:t>of</a:t>
-            </a:r>
-            <a:r>
-              <a:rPr lang="zh-CN" altLang="en-US" dirty="0"/>
-              <a:t> </a:t>
-            </a:r>
-            <a:r>
-              <a:rPr lang="en-US" altLang="zh-CN" dirty="0"/>
-              <a:t>a</a:t>
-            </a:r>
-            <a:r>
-              <a:rPr lang="zh-CN" altLang="en-US" dirty="0"/>
-              <a:t> </a:t>
-            </a:r>
-            <a:r>
-              <a:rPr lang="en-US" altLang="zh-CN" dirty="0"/>
-              <a:t>model</a:t>
-            </a:r>
-            <a:r>
-              <a:rPr lang="zh-CN" altLang="en-US" dirty="0"/>
-              <a:t> </a:t>
-            </a:r>
-            <a:r>
-              <a:rPr lang="en-US" altLang="zh-CN" dirty="0"/>
-              <a:t>is</a:t>
-            </a:r>
-            <a:r>
-              <a:rPr lang="zh-CN" altLang="en-US" dirty="0"/>
-              <a:t> </a:t>
-            </a:r>
-            <a:r>
-              <a:rPr lang="en-US" altLang="zh-CN" dirty="0"/>
-              <a:t>not</a:t>
-            </a:r>
-            <a:r>
-              <a:rPr lang="zh-CN" altLang="en-US" dirty="0"/>
-              <a:t> </a:t>
-            </a:r>
-            <a:r>
-              <a:rPr lang="en-US" altLang="zh-CN" dirty="0"/>
-              <a:t>easily measurable, can have negative consequences, or has self-fulfilling feedback loop.</a:t>
-            </a:r>
-          </a:p>
-          <a:p>
-            <a:endParaRPr lang="en-US" altLang="zh-CN" dirty="0"/>
-          </a:p>
-          <a:p>
-            <a:r>
-              <a:rPr lang="en-US" altLang="zh-CN" dirty="0"/>
-              <a:t>Why</a:t>
-            </a:r>
-            <a:r>
-              <a:rPr lang="zh-CN" altLang="en-US" dirty="0"/>
-              <a:t> </a:t>
-            </a:r>
-            <a:r>
-              <a:rPr lang="en-US" altLang="zh-CN" dirty="0"/>
-              <a:t>our</a:t>
-            </a:r>
-            <a:r>
-              <a:rPr lang="zh-CN" altLang="en-US" dirty="0"/>
-              <a:t> </a:t>
-            </a:r>
-            <a:r>
-              <a:rPr lang="en-US" altLang="zh-CN" dirty="0"/>
-              <a:t>model</a:t>
-            </a:r>
-            <a:r>
-              <a:rPr lang="zh-CN" altLang="en-US" dirty="0"/>
-              <a:t> </a:t>
-            </a:r>
-            <a:r>
-              <a:rPr lang="en-US" altLang="zh-CN" dirty="0"/>
-              <a:t>is</a:t>
-            </a:r>
-            <a:r>
-              <a:rPr lang="zh-CN" altLang="en-US" dirty="0"/>
-              <a:t> </a:t>
-            </a:r>
-            <a:r>
-              <a:rPr lang="en-US" altLang="zh-CN" dirty="0"/>
-              <a:t>not</a:t>
-            </a:r>
-            <a:r>
-              <a:rPr lang="zh-CN" altLang="en-US" dirty="0"/>
-              <a:t> </a:t>
-            </a:r>
-            <a:r>
-              <a:rPr lang="en-US" altLang="zh-CN" dirty="0"/>
-              <a:t>a</a:t>
-            </a:r>
-            <a:r>
-              <a:rPr lang="zh-CN" altLang="en-US" dirty="0"/>
-              <a:t> </a:t>
-            </a:r>
-            <a:r>
-              <a:rPr lang="en-US" altLang="zh-CN" dirty="0"/>
-              <a:t>WMD?</a:t>
-            </a:r>
-          </a:p>
-          <a:p>
-            <a:pPr marL="285750" indent="-285750">
-              <a:buFont typeface="Arial" panose="020B0604020202020204" pitchFamily="34" charset="0"/>
-              <a:buChar char="•"/>
-            </a:pPr>
-            <a:r>
-              <a:rPr lang="en-US" altLang="zh-CN" b="1" dirty="0"/>
-              <a:t>Has</a:t>
-            </a:r>
-            <a:r>
-              <a:rPr lang="zh-CN" altLang="en-US" b="1" dirty="0"/>
-              <a:t> </a:t>
-            </a:r>
-            <a:r>
-              <a:rPr lang="en-US" altLang="zh-CN" b="1" dirty="0"/>
-              <a:t>measurable</a:t>
-            </a:r>
-            <a:r>
-              <a:rPr lang="zh-CN" altLang="en-US" b="1" dirty="0"/>
-              <a:t> </a:t>
-            </a:r>
-            <a:r>
-              <a:rPr lang="en-US" altLang="zh-CN" b="1" dirty="0"/>
-              <a:t>outcome:</a:t>
-            </a:r>
-            <a:r>
-              <a:rPr lang="zh-CN" altLang="en-US" b="1" dirty="0"/>
-              <a:t> </a:t>
-            </a:r>
-            <a:r>
-              <a:rPr lang="en-US" altLang="zh-CN" dirty="0"/>
-              <a:t>status</a:t>
-            </a:r>
-            <a:r>
-              <a:rPr lang="zh-CN" altLang="en-US" dirty="0"/>
-              <a:t> </a:t>
-            </a:r>
-            <a:r>
-              <a:rPr lang="en-US" altLang="zh-CN" dirty="0"/>
-              <a:t>of</a:t>
-            </a:r>
-            <a:r>
-              <a:rPr lang="zh-CN" altLang="en-US" dirty="0"/>
-              <a:t> </a:t>
-            </a:r>
-            <a:r>
-              <a:rPr lang="en-US" altLang="zh-CN" dirty="0"/>
-              <a:t>an</a:t>
-            </a:r>
-            <a:r>
-              <a:rPr lang="zh-CN" altLang="en-US" dirty="0"/>
-              <a:t> </a:t>
-            </a:r>
-            <a:r>
-              <a:rPr lang="en-US" altLang="zh-CN" dirty="0"/>
-              <a:t>application</a:t>
-            </a:r>
-          </a:p>
-          <a:p>
-            <a:pPr marL="285750" indent="-285750">
-              <a:buFont typeface="Arial" panose="020B0604020202020204" pitchFamily="34" charset="0"/>
-              <a:buChar char="•"/>
-            </a:pPr>
-            <a:r>
-              <a:rPr lang="en-US" altLang="zh-CN" b="1" dirty="0"/>
-              <a:t>No</a:t>
-            </a:r>
-            <a:r>
-              <a:rPr lang="zh-CN" altLang="en-US" b="1" dirty="0"/>
-              <a:t> </a:t>
-            </a:r>
-            <a:r>
-              <a:rPr lang="en-US" altLang="zh-CN" b="1" dirty="0"/>
-              <a:t>negative</a:t>
-            </a:r>
-            <a:r>
-              <a:rPr lang="zh-CN" altLang="en-US" b="1" dirty="0"/>
-              <a:t> </a:t>
-            </a:r>
-            <a:r>
-              <a:rPr lang="en-US" altLang="zh-CN" b="1" dirty="0"/>
-              <a:t>consequence:</a:t>
-            </a:r>
-            <a:r>
-              <a:rPr lang="zh-CN" altLang="en-US" b="1" dirty="0"/>
-              <a:t> </a:t>
-            </a:r>
-            <a:r>
-              <a:rPr lang="en-US" altLang="zh-CN" dirty="0"/>
-              <a:t>most</a:t>
-            </a:r>
-            <a:r>
-              <a:rPr lang="zh-CN" altLang="en-US" dirty="0"/>
-              <a:t> </a:t>
-            </a:r>
-            <a:r>
-              <a:rPr lang="en-US" altLang="zh-CN" dirty="0"/>
-              <a:t>of</a:t>
-            </a:r>
-            <a:r>
-              <a:rPr lang="zh-CN" altLang="en-US" dirty="0"/>
-              <a:t> </a:t>
-            </a:r>
-            <a:r>
-              <a:rPr lang="en-US" altLang="zh-CN" dirty="0"/>
-              <a:t>the</a:t>
-            </a:r>
-            <a:r>
-              <a:rPr lang="zh-CN" altLang="en-US" dirty="0"/>
-              <a:t> </a:t>
-            </a:r>
-            <a:r>
-              <a:rPr lang="en-US" altLang="zh-CN" dirty="0"/>
-              <a:t>applications</a:t>
-            </a:r>
-            <a:r>
-              <a:rPr lang="zh-CN" altLang="en-US" dirty="0"/>
-              <a:t> </a:t>
-            </a:r>
-            <a:r>
-              <a:rPr lang="en-US" altLang="zh-CN" dirty="0"/>
-              <a:t>are</a:t>
-            </a:r>
-            <a:r>
-              <a:rPr lang="zh-CN" altLang="en-US" dirty="0"/>
-              <a:t> </a:t>
-            </a:r>
-            <a:r>
-              <a:rPr lang="en-US" altLang="zh-CN" dirty="0"/>
-              <a:t>accepted,</a:t>
-            </a:r>
-            <a:r>
-              <a:rPr lang="zh-CN" altLang="en-US" dirty="0"/>
-              <a:t> </a:t>
-            </a:r>
-            <a:r>
-              <a:rPr lang="en-US" altLang="zh-CN" dirty="0"/>
-              <a:t>our</a:t>
-            </a:r>
-            <a:r>
-              <a:rPr lang="zh-CN" altLang="en-US" dirty="0"/>
-              <a:t> </a:t>
-            </a:r>
-            <a:r>
-              <a:rPr lang="en-US" altLang="zh-CN" dirty="0"/>
-              <a:t>model</a:t>
-            </a:r>
-            <a:r>
-              <a:rPr lang="zh-CN" altLang="en-US" dirty="0"/>
-              <a:t> </a:t>
-            </a:r>
-            <a:r>
-              <a:rPr lang="en-US" altLang="zh-CN" dirty="0"/>
-              <a:t>focus</a:t>
-            </a:r>
-            <a:r>
-              <a:rPr lang="zh-CN" altLang="en-US" dirty="0"/>
-              <a:t> </a:t>
-            </a:r>
-            <a:r>
-              <a:rPr lang="en-US" altLang="zh-CN" dirty="0"/>
-              <a:t>on</a:t>
-            </a:r>
-            <a:r>
-              <a:rPr lang="zh-CN" altLang="en-US" dirty="0"/>
-              <a:t> </a:t>
-            </a:r>
-            <a:r>
-              <a:rPr lang="en-US" altLang="zh-CN" dirty="0"/>
-              <a:t>helping</a:t>
-            </a:r>
-            <a:r>
-              <a:rPr lang="zh-CN" altLang="en-US" dirty="0"/>
-              <a:t> </a:t>
-            </a:r>
-            <a:r>
-              <a:rPr lang="en-US" altLang="zh-CN" dirty="0"/>
-              <a:t>those</a:t>
-            </a:r>
-            <a:r>
-              <a:rPr lang="zh-CN" altLang="en-US" dirty="0"/>
-              <a:t> </a:t>
-            </a:r>
-            <a:r>
-              <a:rPr lang="en-US" altLang="zh-CN" dirty="0"/>
-              <a:t>who</a:t>
-            </a:r>
-            <a:r>
-              <a:rPr lang="zh-CN" altLang="en-US" dirty="0"/>
-              <a:t> </a:t>
-            </a:r>
-            <a:r>
-              <a:rPr lang="en-US" altLang="zh-CN" dirty="0"/>
-              <a:t>might</a:t>
-            </a:r>
-            <a:r>
-              <a:rPr lang="zh-CN" altLang="en-US" dirty="0"/>
-              <a:t> </a:t>
-            </a:r>
-            <a:r>
-              <a:rPr lang="en-US" altLang="zh-CN" dirty="0"/>
-              <a:t>not</a:t>
-            </a:r>
-            <a:r>
-              <a:rPr lang="zh-CN" altLang="en-US" dirty="0"/>
-              <a:t> </a:t>
-            </a:r>
-            <a:r>
-              <a:rPr lang="en-US" altLang="zh-CN" dirty="0"/>
-              <a:t>be</a:t>
-            </a:r>
-            <a:r>
-              <a:rPr lang="zh-CN" altLang="en-US" dirty="0"/>
-              <a:t> </a:t>
-            </a:r>
-            <a:r>
-              <a:rPr lang="en-US" altLang="zh-CN" dirty="0"/>
-              <a:t>approved</a:t>
-            </a:r>
-            <a:r>
-              <a:rPr lang="zh-CN" altLang="en-US" dirty="0"/>
-              <a:t> </a:t>
-            </a:r>
-            <a:r>
-              <a:rPr lang="en-US" altLang="zh-CN" dirty="0"/>
-              <a:t>become</a:t>
-            </a:r>
-            <a:r>
-              <a:rPr lang="zh-CN" altLang="en-US" dirty="0"/>
-              <a:t> </a:t>
-            </a:r>
-            <a:r>
-              <a:rPr lang="en-US" altLang="zh-CN" dirty="0"/>
-              <a:t>aware</a:t>
-            </a:r>
-            <a:r>
-              <a:rPr lang="zh-CN" altLang="en-US" dirty="0"/>
-              <a:t> </a:t>
-            </a:r>
-            <a:r>
-              <a:rPr lang="en-US" altLang="zh-CN" dirty="0"/>
-              <a:t>of</a:t>
-            </a:r>
-            <a:r>
-              <a:rPr lang="zh-CN" altLang="en-US" dirty="0"/>
-              <a:t> </a:t>
-            </a:r>
-            <a:r>
-              <a:rPr lang="en-US" altLang="zh-CN" dirty="0"/>
-              <a:t>their</a:t>
-            </a:r>
-            <a:r>
-              <a:rPr lang="zh-CN" altLang="en-US" dirty="0"/>
-              <a:t> </a:t>
-            </a:r>
-            <a:r>
-              <a:rPr lang="en-US" altLang="zh-CN" dirty="0"/>
-              <a:t>risks</a:t>
-            </a:r>
-          </a:p>
-          <a:p>
-            <a:pPr marL="285750" indent="-285750">
-              <a:buFont typeface="Arial" panose="020B0604020202020204" pitchFamily="34" charset="0"/>
-              <a:buChar char="•"/>
-            </a:pPr>
-            <a:r>
-              <a:rPr lang="en-US" altLang="zh-CN" b="1" dirty="0"/>
-              <a:t>No</a:t>
-            </a:r>
-            <a:r>
-              <a:rPr lang="zh-CN" altLang="en-US" b="1" dirty="0"/>
-              <a:t> </a:t>
-            </a:r>
-            <a:r>
-              <a:rPr lang="en-US" altLang="zh-CN" b="1" dirty="0"/>
-              <a:t>prominent</a:t>
-            </a:r>
-            <a:r>
-              <a:rPr lang="zh-CN" altLang="en-US" b="1" dirty="0"/>
-              <a:t> </a:t>
-            </a:r>
-            <a:r>
-              <a:rPr lang="en-US" altLang="zh-CN" b="1" dirty="0"/>
-              <a:t>self-fulfilling</a:t>
-            </a:r>
-            <a:r>
-              <a:rPr lang="zh-CN" altLang="en-US" b="1" dirty="0"/>
-              <a:t> </a:t>
-            </a:r>
-            <a:r>
-              <a:rPr lang="en-US" altLang="zh-CN" b="1" dirty="0"/>
-              <a:t>feedback</a:t>
-            </a:r>
-            <a:r>
-              <a:rPr lang="zh-CN" altLang="en-US" b="1" dirty="0"/>
-              <a:t> </a:t>
-            </a:r>
-            <a:r>
-              <a:rPr lang="en-US" altLang="zh-CN" b="1" dirty="0"/>
-              <a:t>loop:</a:t>
-            </a:r>
-            <a:r>
-              <a:rPr lang="zh-CN" altLang="en-US" b="1" dirty="0"/>
-              <a:t> </a:t>
-            </a:r>
-            <a:r>
-              <a:rPr lang="en-US" altLang="zh-CN" dirty="0"/>
-              <a:t>Whether</a:t>
-            </a:r>
-            <a:r>
-              <a:rPr lang="zh-CN" altLang="en-US" dirty="0"/>
-              <a:t> </a:t>
-            </a:r>
-            <a:r>
-              <a:rPr lang="en-US" altLang="zh-CN" dirty="0"/>
-              <a:t>an</a:t>
-            </a:r>
-            <a:r>
-              <a:rPr lang="zh-CN" altLang="en-US" dirty="0"/>
-              <a:t> </a:t>
-            </a:r>
-            <a:r>
-              <a:rPr lang="en-US" altLang="zh-CN" dirty="0"/>
-              <a:t>H1-B</a:t>
-            </a:r>
-            <a:r>
-              <a:rPr lang="zh-CN" altLang="en-US" dirty="0"/>
-              <a:t> </a:t>
-            </a:r>
-            <a:r>
-              <a:rPr lang="en-US" altLang="zh-CN" dirty="0"/>
-              <a:t>is</a:t>
-            </a:r>
-            <a:r>
-              <a:rPr lang="zh-CN" altLang="en-US" dirty="0"/>
-              <a:t> </a:t>
-            </a:r>
-            <a:r>
-              <a:rPr lang="en-US" altLang="zh-CN" dirty="0"/>
-              <a:t>going</a:t>
-            </a:r>
-            <a:r>
-              <a:rPr lang="zh-CN" altLang="en-US" dirty="0"/>
-              <a:t> </a:t>
-            </a:r>
-            <a:r>
-              <a:rPr lang="en-US" altLang="zh-CN" dirty="0"/>
-              <a:t>to</a:t>
-            </a:r>
-            <a:r>
-              <a:rPr lang="zh-CN" altLang="en-US" dirty="0"/>
-              <a:t> </a:t>
-            </a:r>
-            <a:r>
-              <a:rPr lang="en-US" altLang="zh-CN" dirty="0"/>
-              <a:t>be</a:t>
-            </a:r>
-            <a:r>
-              <a:rPr lang="zh-CN" altLang="en-US" dirty="0"/>
-              <a:t> </a:t>
-            </a:r>
-            <a:r>
-              <a:rPr lang="en-US" altLang="zh-CN" dirty="0"/>
-              <a:t>approved</a:t>
-            </a:r>
-            <a:r>
-              <a:rPr lang="zh-CN" altLang="en-US" dirty="0"/>
-              <a:t> </a:t>
-            </a:r>
-            <a:r>
-              <a:rPr lang="en-US" altLang="zh-CN" dirty="0"/>
-              <a:t>is</a:t>
-            </a:r>
-            <a:r>
-              <a:rPr lang="zh-CN" altLang="en-US" dirty="0"/>
-              <a:t> </a:t>
-            </a:r>
-            <a:r>
-              <a:rPr lang="en-US" altLang="zh-CN" dirty="0"/>
-              <a:t>determined</a:t>
-            </a:r>
-            <a:r>
-              <a:rPr lang="zh-CN" altLang="en-US" dirty="0"/>
-              <a:t> </a:t>
-            </a:r>
-            <a:r>
-              <a:rPr lang="en-US" altLang="zh-CN" dirty="0"/>
-              <a:t>entirely</a:t>
-            </a:r>
-            <a:r>
-              <a:rPr lang="zh-CN" altLang="en-US" dirty="0"/>
-              <a:t> </a:t>
-            </a:r>
-            <a:r>
-              <a:rPr lang="en-US" altLang="zh-CN" dirty="0"/>
-              <a:t>the</a:t>
-            </a:r>
-            <a:r>
-              <a:rPr lang="zh-CN" altLang="en-US" dirty="0"/>
-              <a:t> </a:t>
-            </a:r>
-            <a:r>
-              <a:rPr lang="en-US" altLang="zh-CN" dirty="0"/>
-              <a:t>competency</a:t>
-            </a:r>
-            <a:r>
-              <a:rPr lang="zh-CN" altLang="en-US" dirty="0"/>
-              <a:t> </a:t>
-            </a:r>
-            <a:r>
-              <a:rPr lang="en-US" altLang="zh-CN" dirty="0"/>
-              <a:t>of</a:t>
-            </a:r>
-            <a:r>
-              <a:rPr lang="zh-CN" altLang="en-US" dirty="0"/>
-              <a:t> </a:t>
-            </a:r>
-            <a:r>
-              <a:rPr lang="en-US" altLang="zh-CN" dirty="0"/>
-              <a:t>the</a:t>
-            </a:r>
-            <a:r>
-              <a:rPr lang="zh-CN" altLang="en-US" dirty="0"/>
-              <a:t> </a:t>
-            </a:r>
-            <a:r>
-              <a:rPr lang="en-US" altLang="zh-CN" dirty="0"/>
-              <a:t>employee</a:t>
-            </a:r>
-            <a:r>
-              <a:rPr lang="zh-CN" altLang="en-US" dirty="0"/>
-              <a:t> </a:t>
-            </a:r>
-            <a:r>
-              <a:rPr lang="en-US" altLang="zh-CN" dirty="0"/>
-              <a:t>and</a:t>
-            </a:r>
-            <a:r>
-              <a:rPr lang="zh-CN" altLang="en-US" dirty="0"/>
-              <a:t> </a:t>
-            </a:r>
-            <a:r>
-              <a:rPr lang="en-US" altLang="zh-CN" dirty="0"/>
-              <a:t>the</a:t>
-            </a:r>
-            <a:r>
-              <a:rPr lang="zh-CN" altLang="en-US" dirty="0"/>
-              <a:t> </a:t>
-            </a:r>
-            <a:r>
-              <a:rPr lang="en-US" altLang="zh-CN" dirty="0"/>
-              <a:t>industry</a:t>
-            </a:r>
-            <a:r>
-              <a:rPr lang="zh-CN" altLang="en-US" dirty="0"/>
-              <a:t> </a:t>
-            </a:r>
-            <a:r>
-              <a:rPr lang="en-US" altLang="zh-CN" dirty="0"/>
-              <a:t>demand.</a:t>
-            </a:r>
-            <a:r>
-              <a:rPr lang="zh-CN" altLang="en-US" dirty="0"/>
-              <a:t> </a:t>
-            </a:r>
-            <a:r>
-              <a:rPr lang="en-US" altLang="zh-CN" dirty="0"/>
-              <a:t>These</a:t>
-            </a:r>
-            <a:r>
-              <a:rPr lang="zh-CN" altLang="en-US" dirty="0"/>
-              <a:t> </a:t>
-            </a:r>
-            <a:r>
-              <a:rPr lang="en-US" altLang="zh-CN" dirty="0"/>
-              <a:t>two</a:t>
-            </a:r>
-            <a:r>
-              <a:rPr lang="zh-CN" altLang="en-US" dirty="0"/>
-              <a:t> </a:t>
-            </a:r>
-            <a:r>
-              <a:rPr lang="en-US" altLang="zh-CN" dirty="0"/>
-              <a:t>factors</a:t>
-            </a:r>
-            <a:r>
-              <a:rPr lang="zh-CN" altLang="en-US" dirty="0"/>
-              <a:t> </a:t>
-            </a:r>
-            <a:r>
-              <a:rPr lang="en-US" altLang="zh-CN" dirty="0"/>
-              <a:t>are</a:t>
-            </a:r>
-            <a:r>
-              <a:rPr lang="zh-CN" altLang="en-US" dirty="0"/>
-              <a:t> </a:t>
-            </a:r>
-            <a:r>
-              <a:rPr lang="en-US" altLang="zh-CN" dirty="0"/>
-              <a:t>unlikely</a:t>
-            </a:r>
-            <a:r>
-              <a:rPr lang="zh-CN" altLang="en-US" dirty="0"/>
-              <a:t> </a:t>
-            </a:r>
-            <a:r>
-              <a:rPr lang="en-US" altLang="zh-CN" dirty="0"/>
-              <a:t>to</a:t>
-            </a:r>
-            <a:r>
-              <a:rPr lang="zh-CN" altLang="en-US" dirty="0"/>
-              <a:t> </a:t>
-            </a:r>
-            <a:r>
-              <a:rPr lang="en-US" altLang="zh-CN" dirty="0"/>
-              <a:t>be</a:t>
-            </a:r>
-            <a:r>
-              <a:rPr lang="zh-CN" altLang="en-US" dirty="0"/>
-              <a:t> </a:t>
-            </a:r>
-            <a:r>
-              <a:rPr lang="en-US" altLang="zh-CN" dirty="0"/>
-              <a:t>affected</a:t>
-            </a:r>
-            <a:r>
-              <a:rPr lang="zh-CN" altLang="en-US" dirty="0"/>
-              <a:t> </a:t>
-            </a:r>
-            <a:r>
-              <a:rPr lang="en-US" altLang="zh-CN" dirty="0"/>
-              <a:t>by</a:t>
-            </a:r>
-            <a:r>
-              <a:rPr lang="zh-CN" altLang="en-US" dirty="0"/>
-              <a:t> </a:t>
-            </a:r>
-            <a:r>
-              <a:rPr lang="en-US" altLang="zh-CN" dirty="0"/>
-              <a:t>the</a:t>
-            </a:r>
-            <a:r>
-              <a:rPr lang="zh-CN" altLang="en-US" dirty="0"/>
-              <a:t> </a:t>
-            </a:r>
-            <a:r>
-              <a:rPr lang="en-US" altLang="zh-CN" dirty="0"/>
-              <a:t>prediction</a:t>
-            </a:r>
-            <a:r>
-              <a:rPr lang="zh-CN" altLang="en-US" dirty="0"/>
-              <a:t> </a:t>
-            </a:r>
-            <a:r>
-              <a:rPr lang="en-US" altLang="zh-CN" dirty="0"/>
-              <a:t>of</a:t>
-            </a:r>
-            <a:r>
-              <a:rPr lang="zh-CN" altLang="en-US" dirty="0"/>
-              <a:t> </a:t>
-            </a:r>
-            <a:r>
-              <a:rPr lang="en-US" altLang="zh-CN" dirty="0"/>
-              <a:t>the</a:t>
-            </a:r>
-            <a:r>
-              <a:rPr lang="zh-CN" altLang="en-US" dirty="0"/>
-              <a:t> </a:t>
-            </a:r>
-            <a:r>
-              <a:rPr lang="en-US" altLang="zh-CN" dirty="0"/>
-              <a:t>H1-B</a:t>
-            </a:r>
-            <a:r>
-              <a:rPr lang="zh-CN" altLang="en-US" dirty="0"/>
-              <a:t> </a:t>
-            </a:r>
-            <a:r>
-              <a:rPr lang="en-US" altLang="zh-CN" dirty="0"/>
-              <a:t>application</a:t>
-            </a:r>
-            <a:r>
-              <a:rPr lang="zh-CN" altLang="en-US" dirty="0"/>
-              <a:t> </a:t>
-            </a:r>
-            <a:r>
-              <a:rPr lang="en-US" altLang="zh-CN" dirty="0"/>
-              <a:t>status</a:t>
-            </a:r>
-          </a:p>
-          <a:p>
-            <a:pPr marL="285750" indent="-285750">
-              <a:buFont typeface="Arial" panose="020B0604020202020204" pitchFamily="34" charset="0"/>
-              <a:buChar char="•"/>
-            </a:pPr>
-            <a:r>
-              <a:rPr lang="en-US" altLang="zh-CN" b="1" dirty="0"/>
-              <a:t>Demand</a:t>
-            </a:r>
-            <a:r>
-              <a:rPr lang="zh-CN" altLang="en-US" b="1" dirty="0"/>
-              <a:t> </a:t>
-            </a:r>
-            <a:r>
-              <a:rPr lang="en-US" altLang="zh-CN" b="1" dirty="0"/>
-              <a:t>&amp;</a:t>
-            </a:r>
-            <a:r>
-              <a:rPr lang="zh-CN" altLang="en-US" b="1" dirty="0"/>
-              <a:t> </a:t>
-            </a:r>
-            <a:r>
-              <a:rPr lang="en-US" altLang="zh-CN" b="1" dirty="0"/>
-              <a:t>supply</a:t>
-            </a:r>
-            <a:r>
-              <a:rPr lang="en-US" altLang="zh-CN" dirty="0"/>
-              <a:t>:</a:t>
-            </a:r>
-            <a:r>
-              <a:rPr lang="zh-CN" altLang="en-US" dirty="0"/>
-              <a:t> </a:t>
-            </a:r>
-            <a:r>
-              <a:rPr lang="en-US" altLang="zh-CN" dirty="0"/>
-              <a:t>The employment is based on demand and supply. </a:t>
-            </a:r>
-          </a:p>
-          <a:p>
-            <a:endParaRPr lang="en-US" altLang="zh-CN" dirty="0"/>
+              <a:rPr lang="en-US" dirty="0"/>
+              <a:t>Future work</a:t>
+            </a:r>
           </a:p>
         </p:txBody>
       </p:sp>
     </p:spTree>
     <p:extLst>
       <p:ext uri="{BB962C8B-B14F-4D97-AF65-F5344CB8AC3E}">
-        <p14:creationId xmlns:p14="http://schemas.microsoft.com/office/powerpoint/2010/main" val="3147588137"/>
+        <p14:creationId xmlns:p14="http://schemas.microsoft.com/office/powerpoint/2010/main" val="1082780974"/>
       </p:ext>
     </p:extLst>
   </p:cSld>
@@ -11554,6 +10793,888 @@
       </p:grpSpPr>
       <p:sp>
         <p:nvSpPr>
+          <p:cNvPr id="2" name="Title 1">
+            <a:extLst>
+              <a:ext uri="{FF2B5EF4-FFF2-40B4-BE49-F238E27FC236}">
+                <a16:creationId xmlns:a16="http://schemas.microsoft.com/office/drawing/2014/main" id="{B3DC529B-4E4C-1B41-A845-40FD3B103883}"/>
+              </a:ext>
+            </a:extLst>
+          </p:cNvPr>
+          <p:cNvSpPr>
+            <a:spLocks noGrp="1"/>
+          </p:cNvSpPr>
+          <p:nvPr>
+            <p:ph type="title"/>
+          </p:nvPr>
+        </p:nvSpPr>
+        <p:spPr/>
+        <p:txBody>
+          <a:bodyPr>
+            <a:normAutofit/>
+          </a:bodyPr>
+          <a:lstStyle/>
+          <a:p>
+            <a:r>
+              <a:rPr lang="en-US" altLang="zh-CN" dirty="0"/>
+              <a:t>Weapons</a:t>
+            </a:r>
+            <a:r>
+              <a:rPr lang="zh-CN" altLang="en-US" dirty="0"/>
+              <a:t> </a:t>
+            </a:r>
+            <a:r>
+              <a:rPr lang="en-US" altLang="zh-CN" dirty="0"/>
+              <a:t>of</a:t>
+            </a:r>
+            <a:r>
+              <a:rPr lang="zh-CN" altLang="en-US" dirty="0"/>
+              <a:t> </a:t>
+            </a:r>
+            <a:r>
+              <a:rPr lang="en-US" altLang="zh-CN" dirty="0"/>
+              <a:t>Math</a:t>
+            </a:r>
+            <a:r>
+              <a:rPr lang="zh-CN" altLang="en-US" dirty="0"/>
+              <a:t> </a:t>
+            </a:r>
+            <a:r>
+              <a:rPr lang="en-US" altLang="zh-CN" dirty="0"/>
+              <a:t>Destruction</a:t>
+            </a:r>
+            <a:endParaRPr lang="en-US" dirty="0"/>
+          </a:p>
+        </p:txBody>
+      </p:sp>
+      <p:sp>
+        <p:nvSpPr>
+          <p:cNvPr id="7" name="TextBox 6">
+            <a:extLst>
+              <a:ext uri="{FF2B5EF4-FFF2-40B4-BE49-F238E27FC236}">
+                <a16:creationId xmlns:a16="http://schemas.microsoft.com/office/drawing/2014/main" id="{C703E7C2-A6DA-5640-9587-4D7877F623B7}"/>
+              </a:ext>
+            </a:extLst>
+          </p:cNvPr>
+          <p:cNvSpPr txBox="1"/>
+          <p:nvPr/>
+        </p:nvSpPr>
+        <p:spPr>
+          <a:xfrm>
+            <a:off x="381000" y="1108151"/>
+            <a:ext cx="8305800" cy="3970318"/>
+          </a:xfrm>
+          <a:prstGeom prst="rect">
+            <a:avLst/>
+          </a:prstGeom>
+          <a:noFill/>
+        </p:spPr>
+        <p:txBody>
+          <a:bodyPr wrap="square" rtlCol="0">
+            <a:spAutoFit/>
+          </a:bodyPr>
+          <a:lstStyle/>
+          <a:p>
+            <a:r>
+              <a:rPr lang="en-US" altLang="zh-CN" dirty="0"/>
+              <a:t>Definition:</a:t>
+            </a:r>
+          </a:p>
+          <a:p>
+            <a:r>
+              <a:rPr lang="en-US" altLang="zh-CN" dirty="0"/>
+              <a:t>The</a:t>
+            </a:r>
+            <a:r>
+              <a:rPr lang="zh-CN" altLang="en-US" dirty="0"/>
+              <a:t> </a:t>
+            </a:r>
+            <a:r>
+              <a:rPr lang="en-US" altLang="zh-CN" dirty="0"/>
+              <a:t>outcome</a:t>
+            </a:r>
+            <a:r>
+              <a:rPr lang="zh-CN" altLang="en-US" dirty="0"/>
+              <a:t> </a:t>
+            </a:r>
+            <a:r>
+              <a:rPr lang="en-US" altLang="zh-CN" dirty="0"/>
+              <a:t>of</a:t>
+            </a:r>
+            <a:r>
+              <a:rPr lang="zh-CN" altLang="en-US" dirty="0"/>
+              <a:t> </a:t>
+            </a:r>
+            <a:r>
+              <a:rPr lang="en-US" altLang="zh-CN" dirty="0"/>
+              <a:t>a</a:t>
+            </a:r>
+            <a:r>
+              <a:rPr lang="zh-CN" altLang="en-US" dirty="0"/>
+              <a:t> </a:t>
+            </a:r>
+            <a:r>
+              <a:rPr lang="en-US" altLang="zh-CN" dirty="0"/>
+              <a:t>model</a:t>
+            </a:r>
+            <a:r>
+              <a:rPr lang="zh-CN" altLang="en-US" dirty="0"/>
+              <a:t> </a:t>
+            </a:r>
+            <a:r>
+              <a:rPr lang="en-US" altLang="zh-CN" dirty="0"/>
+              <a:t>is</a:t>
+            </a:r>
+            <a:r>
+              <a:rPr lang="zh-CN" altLang="en-US" dirty="0"/>
+              <a:t> </a:t>
+            </a:r>
+            <a:r>
+              <a:rPr lang="en-US" altLang="zh-CN" dirty="0"/>
+              <a:t>not</a:t>
+            </a:r>
+            <a:r>
+              <a:rPr lang="zh-CN" altLang="en-US" dirty="0"/>
+              <a:t> </a:t>
+            </a:r>
+            <a:r>
+              <a:rPr lang="en-US" altLang="zh-CN" dirty="0"/>
+              <a:t>easily measurable, can have negative consequences, or has self-fulfilling feedback loop.</a:t>
+            </a:r>
+          </a:p>
+          <a:p>
+            <a:endParaRPr lang="en-US" altLang="zh-CN" dirty="0"/>
+          </a:p>
+          <a:p>
+            <a:r>
+              <a:rPr lang="en-US" altLang="zh-CN" dirty="0"/>
+              <a:t>Why</a:t>
+            </a:r>
+            <a:r>
+              <a:rPr lang="zh-CN" altLang="en-US" dirty="0"/>
+              <a:t> </a:t>
+            </a:r>
+            <a:r>
+              <a:rPr lang="en-US" altLang="zh-CN" dirty="0"/>
+              <a:t>our</a:t>
+            </a:r>
+            <a:r>
+              <a:rPr lang="zh-CN" altLang="en-US" dirty="0"/>
+              <a:t> </a:t>
+            </a:r>
+            <a:r>
+              <a:rPr lang="en-US" altLang="zh-CN" dirty="0"/>
+              <a:t>model</a:t>
+            </a:r>
+            <a:r>
+              <a:rPr lang="zh-CN" altLang="en-US" dirty="0"/>
+              <a:t> </a:t>
+            </a:r>
+            <a:r>
+              <a:rPr lang="en-US" altLang="zh-CN" dirty="0"/>
+              <a:t>is</a:t>
+            </a:r>
+            <a:r>
+              <a:rPr lang="zh-CN" altLang="en-US" dirty="0"/>
+              <a:t> </a:t>
+            </a:r>
+            <a:r>
+              <a:rPr lang="en-US" altLang="zh-CN" dirty="0"/>
+              <a:t>not</a:t>
+            </a:r>
+            <a:r>
+              <a:rPr lang="zh-CN" altLang="en-US" dirty="0"/>
+              <a:t> </a:t>
+            </a:r>
+            <a:r>
+              <a:rPr lang="en-US" altLang="zh-CN" dirty="0"/>
+              <a:t>a</a:t>
+            </a:r>
+            <a:r>
+              <a:rPr lang="zh-CN" altLang="en-US" dirty="0"/>
+              <a:t> </a:t>
+            </a:r>
+            <a:r>
+              <a:rPr lang="en-US" altLang="zh-CN" dirty="0"/>
+              <a:t>WMD?</a:t>
+            </a:r>
+          </a:p>
+          <a:p>
+            <a:pPr marL="285750" indent="-285750">
+              <a:buFont typeface="Arial" panose="020B0604020202020204" pitchFamily="34" charset="0"/>
+              <a:buChar char="•"/>
+            </a:pPr>
+            <a:r>
+              <a:rPr lang="en-US" altLang="zh-CN" b="1" dirty="0"/>
+              <a:t>Has</a:t>
+            </a:r>
+            <a:r>
+              <a:rPr lang="zh-CN" altLang="en-US" b="1" dirty="0"/>
+              <a:t> </a:t>
+            </a:r>
+            <a:r>
+              <a:rPr lang="en-US" altLang="zh-CN" b="1" dirty="0"/>
+              <a:t>measurable</a:t>
+            </a:r>
+            <a:r>
+              <a:rPr lang="zh-CN" altLang="en-US" b="1" dirty="0"/>
+              <a:t> </a:t>
+            </a:r>
+            <a:r>
+              <a:rPr lang="en-US" altLang="zh-CN" b="1" dirty="0"/>
+              <a:t>outcome:</a:t>
+            </a:r>
+            <a:r>
+              <a:rPr lang="zh-CN" altLang="en-US" b="1" dirty="0"/>
+              <a:t> </a:t>
+            </a:r>
+            <a:r>
+              <a:rPr lang="en-US" altLang="zh-CN" dirty="0"/>
+              <a:t>status</a:t>
+            </a:r>
+            <a:r>
+              <a:rPr lang="zh-CN" altLang="en-US" dirty="0"/>
+              <a:t> </a:t>
+            </a:r>
+            <a:r>
+              <a:rPr lang="en-US" altLang="zh-CN" dirty="0"/>
+              <a:t>of</a:t>
+            </a:r>
+            <a:r>
+              <a:rPr lang="zh-CN" altLang="en-US" dirty="0"/>
+              <a:t> </a:t>
+            </a:r>
+            <a:r>
+              <a:rPr lang="en-US" altLang="zh-CN" dirty="0"/>
+              <a:t>an</a:t>
+            </a:r>
+            <a:r>
+              <a:rPr lang="zh-CN" altLang="en-US" dirty="0"/>
+              <a:t> </a:t>
+            </a:r>
+            <a:r>
+              <a:rPr lang="en-US" altLang="zh-CN" dirty="0"/>
+              <a:t>application</a:t>
+            </a:r>
+          </a:p>
+          <a:p>
+            <a:pPr marL="285750" indent="-285750">
+              <a:buFont typeface="Arial" panose="020B0604020202020204" pitchFamily="34" charset="0"/>
+              <a:buChar char="•"/>
+            </a:pPr>
+            <a:r>
+              <a:rPr lang="en-US" altLang="zh-CN" b="1" dirty="0"/>
+              <a:t>No</a:t>
+            </a:r>
+            <a:r>
+              <a:rPr lang="zh-CN" altLang="en-US" b="1" dirty="0"/>
+              <a:t> </a:t>
+            </a:r>
+            <a:r>
+              <a:rPr lang="en-US" altLang="zh-CN" b="1" dirty="0"/>
+              <a:t>negative</a:t>
+            </a:r>
+            <a:r>
+              <a:rPr lang="zh-CN" altLang="en-US" b="1" dirty="0"/>
+              <a:t> </a:t>
+            </a:r>
+            <a:r>
+              <a:rPr lang="en-US" altLang="zh-CN" b="1" dirty="0"/>
+              <a:t>consequence:</a:t>
+            </a:r>
+            <a:r>
+              <a:rPr lang="zh-CN" altLang="en-US" b="1" dirty="0"/>
+              <a:t> </a:t>
+            </a:r>
+            <a:r>
+              <a:rPr lang="en-US" altLang="zh-CN" dirty="0"/>
+              <a:t>most</a:t>
+            </a:r>
+            <a:r>
+              <a:rPr lang="zh-CN" altLang="en-US" dirty="0"/>
+              <a:t> </a:t>
+            </a:r>
+            <a:r>
+              <a:rPr lang="en-US" altLang="zh-CN" dirty="0"/>
+              <a:t>of</a:t>
+            </a:r>
+            <a:r>
+              <a:rPr lang="zh-CN" altLang="en-US" dirty="0"/>
+              <a:t> </a:t>
+            </a:r>
+            <a:r>
+              <a:rPr lang="en-US" altLang="zh-CN" dirty="0"/>
+              <a:t>the</a:t>
+            </a:r>
+            <a:r>
+              <a:rPr lang="zh-CN" altLang="en-US" dirty="0"/>
+              <a:t> </a:t>
+            </a:r>
+            <a:r>
+              <a:rPr lang="en-US" altLang="zh-CN" dirty="0"/>
+              <a:t>applications</a:t>
+            </a:r>
+            <a:r>
+              <a:rPr lang="zh-CN" altLang="en-US" dirty="0"/>
+              <a:t> </a:t>
+            </a:r>
+            <a:r>
+              <a:rPr lang="en-US" altLang="zh-CN" dirty="0"/>
+              <a:t>are</a:t>
+            </a:r>
+            <a:r>
+              <a:rPr lang="zh-CN" altLang="en-US" dirty="0"/>
+              <a:t> </a:t>
+            </a:r>
+            <a:r>
+              <a:rPr lang="en-US" altLang="zh-CN" dirty="0"/>
+              <a:t>accepted,</a:t>
+            </a:r>
+            <a:r>
+              <a:rPr lang="zh-CN" altLang="en-US" dirty="0"/>
+              <a:t> </a:t>
+            </a:r>
+            <a:r>
+              <a:rPr lang="en-US" altLang="zh-CN" dirty="0"/>
+              <a:t>our</a:t>
+            </a:r>
+            <a:r>
+              <a:rPr lang="zh-CN" altLang="en-US" dirty="0"/>
+              <a:t> </a:t>
+            </a:r>
+            <a:r>
+              <a:rPr lang="en-US" altLang="zh-CN" dirty="0"/>
+              <a:t>model</a:t>
+            </a:r>
+            <a:r>
+              <a:rPr lang="zh-CN" altLang="en-US" dirty="0"/>
+              <a:t> </a:t>
+            </a:r>
+            <a:r>
+              <a:rPr lang="en-US" altLang="zh-CN" dirty="0"/>
+              <a:t>focus</a:t>
+            </a:r>
+            <a:r>
+              <a:rPr lang="zh-CN" altLang="en-US" dirty="0"/>
+              <a:t> </a:t>
+            </a:r>
+            <a:r>
+              <a:rPr lang="en-US" altLang="zh-CN" dirty="0"/>
+              <a:t>on</a:t>
+            </a:r>
+            <a:r>
+              <a:rPr lang="zh-CN" altLang="en-US" dirty="0"/>
+              <a:t> </a:t>
+            </a:r>
+            <a:r>
+              <a:rPr lang="en-US" altLang="zh-CN" dirty="0"/>
+              <a:t>helping</a:t>
+            </a:r>
+            <a:r>
+              <a:rPr lang="zh-CN" altLang="en-US" dirty="0"/>
+              <a:t> </a:t>
+            </a:r>
+            <a:r>
+              <a:rPr lang="en-US" altLang="zh-CN" dirty="0"/>
+              <a:t>those</a:t>
+            </a:r>
+            <a:r>
+              <a:rPr lang="zh-CN" altLang="en-US" dirty="0"/>
+              <a:t> </a:t>
+            </a:r>
+            <a:r>
+              <a:rPr lang="en-US" altLang="zh-CN" dirty="0"/>
+              <a:t>who</a:t>
+            </a:r>
+            <a:r>
+              <a:rPr lang="zh-CN" altLang="en-US" dirty="0"/>
+              <a:t> </a:t>
+            </a:r>
+            <a:r>
+              <a:rPr lang="en-US" altLang="zh-CN" dirty="0"/>
+              <a:t>might</a:t>
+            </a:r>
+            <a:r>
+              <a:rPr lang="zh-CN" altLang="en-US" dirty="0"/>
+              <a:t> </a:t>
+            </a:r>
+            <a:r>
+              <a:rPr lang="en-US" altLang="zh-CN" dirty="0"/>
+              <a:t>not</a:t>
+            </a:r>
+            <a:r>
+              <a:rPr lang="zh-CN" altLang="en-US" dirty="0"/>
+              <a:t> </a:t>
+            </a:r>
+            <a:r>
+              <a:rPr lang="en-US" altLang="zh-CN" dirty="0"/>
+              <a:t>be</a:t>
+            </a:r>
+            <a:r>
+              <a:rPr lang="zh-CN" altLang="en-US" dirty="0"/>
+              <a:t> </a:t>
+            </a:r>
+            <a:r>
+              <a:rPr lang="en-US" altLang="zh-CN" dirty="0"/>
+              <a:t>approved</a:t>
+            </a:r>
+            <a:r>
+              <a:rPr lang="zh-CN" altLang="en-US" dirty="0"/>
+              <a:t> </a:t>
+            </a:r>
+            <a:r>
+              <a:rPr lang="en-US" altLang="zh-CN" dirty="0"/>
+              <a:t>become</a:t>
+            </a:r>
+            <a:r>
+              <a:rPr lang="zh-CN" altLang="en-US" dirty="0"/>
+              <a:t> </a:t>
+            </a:r>
+            <a:r>
+              <a:rPr lang="en-US" altLang="zh-CN" dirty="0"/>
+              <a:t>aware</a:t>
+            </a:r>
+            <a:r>
+              <a:rPr lang="zh-CN" altLang="en-US" dirty="0"/>
+              <a:t> </a:t>
+            </a:r>
+            <a:r>
+              <a:rPr lang="en-US" altLang="zh-CN" dirty="0"/>
+              <a:t>of</a:t>
+            </a:r>
+            <a:r>
+              <a:rPr lang="zh-CN" altLang="en-US" dirty="0"/>
+              <a:t> </a:t>
+            </a:r>
+            <a:r>
+              <a:rPr lang="en-US" altLang="zh-CN" dirty="0"/>
+              <a:t>their</a:t>
+            </a:r>
+            <a:r>
+              <a:rPr lang="zh-CN" altLang="en-US" dirty="0"/>
+              <a:t> </a:t>
+            </a:r>
+            <a:r>
+              <a:rPr lang="en-US" altLang="zh-CN" dirty="0"/>
+              <a:t>risks</a:t>
+            </a:r>
+          </a:p>
+          <a:p>
+            <a:pPr marL="285750" indent="-285750">
+              <a:buFont typeface="Arial" panose="020B0604020202020204" pitchFamily="34" charset="0"/>
+              <a:buChar char="•"/>
+            </a:pPr>
+            <a:r>
+              <a:rPr lang="en-US" altLang="zh-CN" b="1" dirty="0"/>
+              <a:t>No</a:t>
+            </a:r>
+            <a:r>
+              <a:rPr lang="zh-CN" altLang="en-US" b="1" dirty="0"/>
+              <a:t> </a:t>
+            </a:r>
+            <a:r>
+              <a:rPr lang="en-US" altLang="zh-CN" b="1" dirty="0"/>
+              <a:t>prominent</a:t>
+            </a:r>
+            <a:r>
+              <a:rPr lang="zh-CN" altLang="en-US" b="1" dirty="0"/>
+              <a:t> </a:t>
+            </a:r>
+            <a:r>
+              <a:rPr lang="en-US" altLang="zh-CN" b="1" dirty="0"/>
+              <a:t>self-fulfilling</a:t>
+            </a:r>
+            <a:r>
+              <a:rPr lang="zh-CN" altLang="en-US" b="1" dirty="0"/>
+              <a:t> </a:t>
+            </a:r>
+            <a:r>
+              <a:rPr lang="en-US" altLang="zh-CN" b="1" dirty="0"/>
+              <a:t>feedback</a:t>
+            </a:r>
+            <a:r>
+              <a:rPr lang="zh-CN" altLang="en-US" b="1" dirty="0"/>
+              <a:t> </a:t>
+            </a:r>
+            <a:r>
+              <a:rPr lang="en-US" altLang="zh-CN" b="1" dirty="0"/>
+              <a:t>loop:</a:t>
+            </a:r>
+            <a:r>
+              <a:rPr lang="zh-CN" altLang="en-US" b="1" dirty="0"/>
+              <a:t> </a:t>
+            </a:r>
+            <a:r>
+              <a:rPr lang="en-US" altLang="zh-CN" dirty="0"/>
+              <a:t>Whether</a:t>
+            </a:r>
+            <a:r>
+              <a:rPr lang="zh-CN" altLang="en-US" dirty="0"/>
+              <a:t> </a:t>
+            </a:r>
+            <a:r>
+              <a:rPr lang="en-US" altLang="zh-CN" dirty="0"/>
+              <a:t>an</a:t>
+            </a:r>
+            <a:r>
+              <a:rPr lang="zh-CN" altLang="en-US" dirty="0"/>
+              <a:t> </a:t>
+            </a:r>
+            <a:r>
+              <a:rPr lang="en-US" altLang="zh-CN" dirty="0"/>
+              <a:t>H1-B</a:t>
+            </a:r>
+            <a:r>
+              <a:rPr lang="zh-CN" altLang="en-US" dirty="0"/>
+              <a:t> </a:t>
+            </a:r>
+            <a:r>
+              <a:rPr lang="en-US" altLang="zh-CN" dirty="0"/>
+              <a:t>is</a:t>
+            </a:r>
+            <a:r>
+              <a:rPr lang="zh-CN" altLang="en-US" dirty="0"/>
+              <a:t> </a:t>
+            </a:r>
+            <a:r>
+              <a:rPr lang="en-US" altLang="zh-CN" dirty="0"/>
+              <a:t>going</a:t>
+            </a:r>
+            <a:r>
+              <a:rPr lang="zh-CN" altLang="en-US" dirty="0"/>
+              <a:t> </a:t>
+            </a:r>
+            <a:r>
+              <a:rPr lang="en-US" altLang="zh-CN" dirty="0"/>
+              <a:t>to</a:t>
+            </a:r>
+            <a:r>
+              <a:rPr lang="zh-CN" altLang="en-US" dirty="0"/>
+              <a:t> </a:t>
+            </a:r>
+            <a:r>
+              <a:rPr lang="en-US" altLang="zh-CN" dirty="0"/>
+              <a:t>be</a:t>
+            </a:r>
+            <a:r>
+              <a:rPr lang="zh-CN" altLang="en-US" dirty="0"/>
+              <a:t> </a:t>
+            </a:r>
+            <a:r>
+              <a:rPr lang="en-US" altLang="zh-CN" dirty="0"/>
+              <a:t>approved</a:t>
+            </a:r>
+            <a:r>
+              <a:rPr lang="zh-CN" altLang="en-US" dirty="0"/>
+              <a:t> </a:t>
+            </a:r>
+            <a:r>
+              <a:rPr lang="en-US" altLang="zh-CN" dirty="0"/>
+              <a:t>is</a:t>
+            </a:r>
+            <a:r>
+              <a:rPr lang="zh-CN" altLang="en-US" dirty="0"/>
+              <a:t> </a:t>
+            </a:r>
+            <a:r>
+              <a:rPr lang="en-US" altLang="zh-CN" dirty="0"/>
+              <a:t>determined</a:t>
+            </a:r>
+            <a:r>
+              <a:rPr lang="zh-CN" altLang="en-US" dirty="0"/>
+              <a:t> </a:t>
+            </a:r>
+            <a:r>
+              <a:rPr lang="en-US" altLang="zh-CN" dirty="0"/>
+              <a:t>entirely</a:t>
+            </a:r>
+            <a:r>
+              <a:rPr lang="zh-CN" altLang="en-US" dirty="0"/>
+              <a:t> </a:t>
+            </a:r>
+            <a:r>
+              <a:rPr lang="en-US" altLang="zh-CN" dirty="0"/>
+              <a:t>the</a:t>
+            </a:r>
+            <a:r>
+              <a:rPr lang="zh-CN" altLang="en-US" dirty="0"/>
+              <a:t> </a:t>
+            </a:r>
+            <a:r>
+              <a:rPr lang="en-US" altLang="zh-CN" dirty="0"/>
+              <a:t>competency</a:t>
+            </a:r>
+            <a:r>
+              <a:rPr lang="zh-CN" altLang="en-US" dirty="0"/>
+              <a:t> </a:t>
+            </a:r>
+            <a:r>
+              <a:rPr lang="en-US" altLang="zh-CN" dirty="0"/>
+              <a:t>of</a:t>
+            </a:r>
+            <a:r>
+              <a:rPr lang="zh-CN" altLang="en-US" dirty="0"/>
+              <a:t> </a:t>
+            </a:r>
+            <a:r>
+              <a:rPr lang="en-US" altLang="zh-CN" dirty="0"/>
+              <a:t>the</a:t>
+            </a:r>
+            <a:r>
+              <a:rPr lang="zh-CN" altLang="en-US" dirty="0"/>
+              <a:t> </a:t>
+            </a:r>
+            <a:r>
+              <a:rPr lang="en-US" altLang="zh-CN" dirty="0"/>
+              <a:t>employee</a:t>
+            </a:r>
+            <a:r>
+              <a:rPr lang="zh-CN" altLang="en-US" dirty="0"/>
+              <a:t> </a:t>
+            </a:r>
+            <a:r>
+              <a:rPr lang="en-US" altLang="zh-CN" dirty="0"/>
+              <a:t>and</a:t>
+            </a:r>
+            <a:r>
+              <a:rPr lang="zh-CN" altLang="en-US" dirty="0"/>
+              <a:t> </a:t>
+            </a:r>
+            <a:r>
+              <a:rPr lang="en-US" altLang="zh-CN" dirty="0"/>
+              <a:t>the</a:t>
+            </a:r>
+            <a:r>
+              <a:rPr lang="zh-CN" altLang="en-US" dirty="0"/>
+              <a:t> </a:t>
+            </a:r>
+            <a:r>
+              <a:rPr lang="en-US" altLang="zh-CN" dirty="0"/>
+              <a:t>industry</a:t>
+            </a:r>
+            <a:r>
+              <a:rPr lang="zh-CN" altLang="en-US" dirty="0"/>
+              <a:t> </a:t>
+            </a:r>
+            <a:r>
+              <a:rPr lang="en-US" altLang="zh-CN" dirty="0"/>
+              <a:t>demand.</a:t>
+            </a:r>
+            <a:r>
+              <a:rPr lang="zh-CN" altLang="en-US" dirty="0"/>
+              <a:t> </a:t>
+            </a:r>
+            <a:r>
+              <a:rPr lang="en-US" altLang="zh-CN" dirty="0"/>
+              <a:t>These</a:t>
+            </a:r>
+            <a:r>
+              <a:rPr lang="zh-CN" altLang="en-US" dirty="0"/>
+              <a:t> </a:t>
+            </a:r>
+            <a:r>
+              <a:rPr lang="en-US" altLang="zh-CN" dirty="0"/>
+              <a:t>two</a:t>
+            </a:r>
+            <a:r>
+              <a:rPr lang="zh-CN" altLang="en-US" dirty="0"/>
+              <a:t> </a:t>
+            </a:r>
+            <a:r>
+              <a:rPr lang="en-US" altLang="zh-CN" dirty="0"/>
+              <a:t>factors</a:t>
+            </a:r>
+            <a:r>
+              <a:rPr lang="zh-CN" altLang="en-US" dirty="0"/>
+              <a:t> </a:t>
+            </a:r>
+            <a:r>
+              <a:rPr lang="en-US" altLang="zh-CN" dirty="0"/>
+              <a:t>are</a:t>
+            </a:r>
+            <a:r>
+              <a:rPr lang="zh-CN" altLang="en-US" dirty="0"/>
+              <a:t> </a:t>
+            </a:r>
+            <a:r>
+              <a:rPr lang="en-US" altLang="zh-CN" dirty="0"/>
+              <a:t>unlikely</a:t>
+            </a:r>
+            <a:r>
+              <a:rPr lang="zh-CN" altLang="en-US" dirty="0"/>
+              <a:t> </a:t>
+            </a:r>
+            <a:r>
+              <a:rPr lang="en-US" altLang="zh-CN" dirty="0"/>
+              <a:t>to</a:t>
+            </a:r>
+            <a:r>
+              <a:rPr lang="zh-CN" altLang="en-US" dirty="0"/>
+              <a:t> </a:t>
+            </a:r>
+            <a:r>
+              <a:rPr lang="en-US" altLang="zh-CN" dirty="0"/>
+              <a:t>be</a:t>
+            </a:r>
+            <a:r>
+              <a:rPr lang="zh-CN" altLang="en-US" dirty="0"/>
+              <a:t> </a:t>
+            </a:r>
+            <a:r>
+              <a:rPr lang="en-US" altLang="zh-CN" dirty="0"/>
+              <a:t>affected</a:t>
+            </a:r>
+            <a:r>
+              <a:rPr lang="zh-CN" altLang="en-US" dirty="0"/>
+              <a:t> </a:t>
+            </a:r>
+            <a:r>
+              <a:rPr lang="en-US" altLang="zh-CN" dirty="0"/>
+              <a:t>by</a:t>
+            </a:r>
+            <a:r>
+              <a:rPr lang="zh-CN" altLang="en-US" dirty="0"/>
+              <a:t> </a:t>
+            </a:r>
+            <a:r>
+              <a:rPr lang="en-US" altLang="zh-CN" dirty="0"/>
+              <a:t>the</a:t>
+            </a:r>
+            <a:r>
+              <a:rPr lang="zh-CN" altLang="en-US" dirty="0"/>
+              <a:t> </a:t>
+            </a:r>
+            <a:r>
+              <a:rPr lang="en-US" altLang="zh-CN" dirty="0"/>
+              <a:t>prediction</a:t>
+            </a:r>
+            <a:r>
+              <a:rPr lang="zh-CN" altLang="en-US" dirty="0"/>
+              <a:t> </a:t>
+            </a:r>
+            <a:r>
+              <a:rPr lang="en-US" altLang="zh-CN" dirty="0"/>
+              <a:t>of</a:t>
+            </a:r>
+            <a:r>
+              <a:rPr lang="zh-CN" altLang="en-US" dirty="0"/>
+              <a:t> </a:t>
+            </a:r>
+            <a:r>
+              <a:rPr lang="en-US" altLang="zh-CN" dirty="0"/>
+              <a:t>the</a:t>
+            </a:r>
+            <a:r>
+              <a:rPr lang="zh-CN" altLang="en-US" dirty="0"/>
+              <a:t> </a:t>
+            </a:r>
+            <a:r>
+              <a:rPr lang="en-US" altLang="zh-CN" dirty="0"/>
+              <a:t>H1-B</a:t>
+            </a:r>
+            <a:r>
+              <a:rPr lang="zh-CN" altLang="en-US" dirty="0"/>
+              <a:t> </a:t>
+            </a:r>
+            <a:r>
+              <a:rPr lang="en-US" altLang="zh-CN" dirty="0"/>
+              <a:t>application</a:t>
+            </a:r>
+            <a:r>
+              <a:rPr lang="zh-CN" altLang="en-US" dirty="0"/>
+              <a:t> </a:t>
+            </a:r>
+            <a:r>
+              <a:rPr lang="en-US" altLang="zh-CN" dirty="0"/>
+              <a:t>status</a:t>
+            </a:r>
+          </a:p>
+          <a:p>
+            <a:pPr marL="285750" indent="-285750">
+              <a:buFont typeface="Arial" panose="020B0604020202020204" pitchFamily="34" charset="0"/>
+              <a:buChar char="•"/>
+            </a:pPr>
+            <a:r>
+              <a:rPr lang="en-US" altLang="zh-CN" b="1" dirty="0"/>
+              <a:t>Demand</a:t>
+            </a:r>
+            <a:r>
+              <a:rPr lang="zh-CN" altLang="en-US" b="1" dirty="0"/>
+              <a:t> </a:t>
+            </a:r>
+            <a:r>
+              <a:rPr lang="en-US" altLang="zh-CN" b="1" dirty="0"/>
+              <a:t>&amp;</a:t>
+            </a:r>
+            <a:r>
+              <a:rPr lang="zh-CN" altLang="en-US" b="1" dirty="0"/>
+              <a:t> </a:t>
+            </a:r>
+            <a:r>
+              <a:rPr lang="en-US" altLang="zh-CN" b="1" dirty="0"/>
+              <a:t>supply</a:t>
+            </a:r>
+            <a:r>
+              <a:rPr lang="en-US" altLang="zh-CN" dirty="0"/>
+              <a:t>:</a:t>
+            </a:r>
+            <a:r>
+              <a:rPr lang="zh-CN" altLang="en-US" dirty="0"/>
+              <a:t> </a:t>
+            </a:r>
+            <a:r>
+              <a:rPr lang="en-US" altLang="zh-CN" dirty="0"/>
+              <a:t>The employment is based on demand and supply. </a:t>
+            </a:r>
+          </a:p>
+          <a:p>
+            <a:endParaRPr lang="en-US" altLang="zh-CN" dirty="0"/>
+          </a:p>
+        </p:txBody>
+      </p:sp>
+    </p:spTree>
+    <p:extLst>
+      <p:ext uri="{BB962C8B-B14F-4D97-AF65-F5344CB8AC3E}">
+        <p14:creationId xmlns:p14="http://schemas.microsoft.com/office/powerpoint/2010/main" val="3147588137"/>
+      </p:ext>
+    </p:extLst>
+  </p:cSld>
+  <p:clrMapOvr>
+    <a:masterClrMapping/>
+  </p:clrMapOvr>
+  <mc:AlternateContent xmlns:mc="http://schemas.openxmlformats.org/markup-compatibility/2006" xmlns:p14="http://schemas.microsoft.com/office/powerpoint/2010/main">
+    <mc:Choice Requires="p14">
+      <p:transition spd="med" p14:dur="700">
+        <p:fade/>
+      </p:transition>
+    </mc:Choice>
+    <mc:Fallback xmlns="">
+      <p:transition spd="med">
+        <p:fade/>
+      </p:transition>
+    </mc:Fallback>
+  </mc:AlternateContent>
+</p:sld>
+</file>
+
+<file path=ppt/slides/slide28.xml><?xml version="1.0" encoding="utf-8"?>
+<p:sld xmlns:a="http://schemas.openxmlformats.org/drawingml/2006/main" xmlns:r="http://schemas.openxmlformats.org/officeDocument/2006/relationships" xmlns:p="http://schemas.openxmlformats.org/presentationml/2006/main">
+  <p:cSld>
+    <p:spTree>
+      <p:nvGrpSpPr>
+        <p:cNvPr id="1" name=""/>
+        <p:cNvGrpSpPr/>
+        <p:nvPr/>
+      </p:nvGrpSpPr>
+      <p:grpSpPr>
+        <a:xfrm>
+          <a:off x="0" y="0"/>
+          <a:ext cx="0" cy="0"/>
+          <a:chOff x="0" y="0"/>
+          <a:chExt cx="0" cy="0"/>
+        </a:xfrm>
+      </p:grpSpPr>
+      <p:sp>
+        <p:nvSpPr>
           <p:cNvPr id="2" name="Text Placeholder 1">
             <a:extLst>
               <a:ext uri="{FF2B5EF4-FFF2-40B4-BE49-F238E27FC236}">
@@ -11639,7 +11760,7 @@
 </p:sld>
 </file>
 
-<file path=ppt/slides/slide28.xml><?xml version="1.0" encoding="utf-8"?>
+<file path=ppt/slides/slide29.xml><?xml version="1.0" encoding="utf-8"?>
 <p:sld xmlns:a="http://schemas.openxmlformats.org/drawingml/2006/main" xmlns:r="http://schemas.openxmlformats.org/officeDocument/2006/relationships" xmlns:p="http://schemas.openxmlformats.org/presentationml/2006/main">
   <p:cSld>
     <p:spTree>

--- a/final-pres-1.pptx
+++ b/final-pres-1.pptx
@@ -33,8 +33,8 @@
     <p:sldId id="281" r:id="rId26"/>
     <p:sldId id="282" r:id="rId27"/>
     <p:sldId id="283" r:id="rId28"/>
-    <p:sldId id="287" r:id="rId29"/>
-    <p:sldId id="269" r:id="rId30"/>
+    <p:sldId id="269" r:id="rId29"/>
+    <p:sldId id="287" r:id="rId30"/>
     <p:sldId id="284" r:id="rId31"/>
     <p:sldId id="263" r:id="rId32"/>
   </p:sldIdLst>
@@ -236,7 +236,7 @@
           <a:p>
             <a:fld id="{7070C50C-F46C-8A4B-8A41-6A6FBB958D92}" type="datetimeFigureOut">
               <a:rPr lang="en-US" smtClean="0"/>
-              <a:t>12/3/21</a:t>
+              <a:t>12/5/21</a:t>
             </a:fld>
             <a:endParaRPr lang="en-US"/>
           </a:p>
@@ -1104,7 +1104,7 @@
           <a:p>
             <a:fld id="{3153D443-CBAC-934A-8506-FB4DF260D863}" type="slidenum">
               <a:rPr lang="en-US" smtClean="0"/>
-              <a:t>27</a:t>
+              <a:t>26</a:t>
             </a:fld>
             <a:endParaRPr lang="en-US"/>
           </a:p>
@@ -1973,7 +1973,7 @@
           <a:p>
             <a:fld id="{840601E4-3F87-485E-BCF1-0932C51EED9D}" type="datetimeFigureOut">
               <a:rPr lang="en-US" smtClean="0"/>
-              <a:t>12/3/21</a:t>
+              <a:t>12/5/21</a:t>
             </a:fld>
             <a:endParaRPr lang="en-US"/>
           </a:p>
@@ -2255,7 +2255,7 @@
           <a:p>
             <a:fld id="{840601E4-3F87-485E-BCF1-0932C51EED9D}" type="datetimeFigureOut">
               <a:rPr lang="en-US" smtClean="0"/>
-              <a:t>12/3/21</a:t>
+              <a:t>12/5/21</a:t>
             </a:fld>
             <a:endParaRPr lang="en-US"/>
           </a:p>
@@ -2594,7 +2594,7 @@
           <a:p>
             <a:fld id="{840601E4-3F87-485E-BCF1-0932C51EED9D}" type="datetimeFigureOut">
               <a:rPr lang="en-US" smtClean="0"/>
-              <a:t>12/3/21</a:t>
+              <a:t>12/5/21</a:t>
             </a:fld>
             <a:endParaRPr lang="en-US"/>
           </a:p>
@@ -2894,7 +2894,7 @@
           <a:p>
             <a:fld id="{840601E4-3F87-485E-BCF1-0932C51EED9D}" type="datetimeFigureOut">
               <a:rPr lang="en-US" smtClean="0"/>
-              <a:t>12/3/21</a:t>
+              <a:t>12/5/21</a:t>
             </a:fld>
             <a:endParaRPr lang="en-US"/>
           </a:p>
@@ -3254,7 +3254,7 @@
           <a:p>
             <a:fld id="{840601E4-3F87-485E-BCF1-0932C51EED9D}" type="datetimeFigureOut">
               <a:rPr lang="en-US" smtClean="0"/>
-              <a:t>12/3/21</a:t>
+              <a:t>12/5/21</a:t>
             </a:fld>
             <a:endParaRPr lang="en-US"/>
           </a:p>
@@ -3608,7 +3608,7 @@
           <a:p>
             <a:fld id="{840601E4-3F87-485E-BCF1-0932C51EED9D}" type="datetimeFigureOut">
               <a:rPr lang="en-US" smtClean="0"/>
-              <a:t>12/3/21</a:t>
+              <a:t>12/5/21</a:t>
             </a:fld>
             <a:endParaRPr lang="en-US"/>
           </a:p>
@@ -3861,7 +3861,7 @@
           <a:p>
             <a:fld id="{840601E4-3F87-485E-BCF1-0932C51EED9D}" type="datetimeFigureOut">
               <a:rPr lang="en-US" smtClean="0"/>
-              <a:t>12/3/21</a:t>
+              <a:t>12/5/21</a:t>
             </a:fld>
             <a:endParaRPr lang="en-US"/>
           </a:p>
@@ -4245,7 +4245,7 @@
           <a:p>
             <a:fld id="{840601E4-3F87-485E-BCF1-0932C51EED9D}" type="datetimeFigureOut">
               <a:rPr lang="en-US" smtClean="0"/>
-              <a:t>12/3/21</a:t>
+              <a:t>12/5/21</a:t>
             </a:fld>
             <a:endParaRPr lang="en-US"/>
           </a:p>
@@ -10673,60 +10673,10 @@
       </p:grpSpPr>
       <p:sp>
         <p:nvSpPr>
-          <p:cNvPr id="2" name="Text Placeholder 1">
+          <p:cNvPr id="2" name="Title 1">
             <a:extLst>
               <a:ext uri="{FF2B5EF4-FFF2-40B4-BE49-F238E27FC236}">
-                <a16:creationId xmlns:a16="http://schemas.microsoft.com/office/drawing/2014/main" id="{A5A7749C-5DF7-9D41-B3E4-FCAE6F364D46}"/>
-              </a:ext>
-            </a:extLst>
-          </p:cNvPr>
-          <p:cNvSpPr>
-            <a:spLocks noGrp="1"/>
-          </p:cNvSpPr>
-          <p:nvPr>
-            <p:ph type="body" sz="quarter" idx="13"/>
-          </p:nvPr>
-        </p:nvSpPr>
-        <p:spPr/>
-        <p:txBody>
-          <a:bodyPr/>
-          <a:lstStyle/>
-          <a:p>
-            <a:r>
-              <a:rPr lang="en-US" sz="2000" dirty="0"/>
-              <a:t>Try more models on it to deal with the imbalanced labels.</a:t>
-            </a:r>
-          </a:p>
-          <a:p>
-            <a:r>
-              <a:rPr lang="en-US" sz="2000" dirty="0"/>
-              <a:t>Dig into the interpretation of the models. </a:t>
-            </a:r>
-          </a:p>
-          <a:p>
-            <a:r>
-              <a:rPr lang="en-US" sz="2000" dirty="0"/>
-              <a:t>Find correlations between the features to make the model more accurate and reasonable. </a:t>
-            </a:r>
-          </a:p>
-          <a:p>
-            <a:pPr lvl="1"/>
-            <a:r>
-              <a:rPr lang="en-US" sz="1800" dirty="0"/>
-              <a:t>This is hard since all the features are in different format and we have done multiple transformation to the original feature. </a:t>
-            </a:r>
-          </a:p>
-          <a:p>
-            <a:endParaRPr lang="en-US" dirty="0"/>
-          </a:p>
-        </p:txBody>
-      </p:sp>
-      <p:sp>
-        <p:nvSpPr>
-          <p:cNvPr id="3" name="Title 2">
-            <a:extLst>
-              <a:ext uri="{FF2B5EF4-FFF2-40B4-BE49-F238E27FC236}">
-                <a16:creationId xmlns:a16="http://schemas.microsoft.com/office/drawing/2014/main" id="{6F58DB70-D46C-3341-83A0-10B431FE9AAB}"/>
+                <a16:creationId xmlns:a16="http://schemas.microsoft.com/office/drawing/2014/main" id="{B3DC529B-4E4C-1B41-A845-40FD3B103883}"/>
               </a:ext>
             </a:extLst>
           </p:cNvPr>
@@ -10739,20 +10689,832 @@
         </p:nvSpPr>
         <p:spPr/>
         <p:txBody>
-          <a:bodyPr/>
+          <a:bodyPr>
+            <a:normAutofit/>
+          </a:bodyPr>
           <a:lstStyle/>
           <a:p>
             <a:r>
-              <a:rPr lang="en-US" dirty="0"/>
-              <a:t>Future work</a:t>
-            </a:r>
+              <a:rPr lang="en-US" altLang="zh-CN" dirty="0"/>
+              <a:t>Weapons</a:t>
+            </a:r>
+            <a:r>
+              <a:rPr lang="zh-CN" altLang="en-US" dirty="0"/>
+              <a:t> </a:t>
+            </a:r>
+            <a:r>
+              <a:rPr lang="en-US" altLang="zh-CN" dirty="0"/>
+              <a:t>of</a:t>
+            </a:r>
+            <a:r>
+              <a:rPr lang="zh-CN" altLang="en-US" dirty="0"/>
+              <a:t> </a:t>
+            </a:r>
+            <a:r>
+              <a:rPr lang="en-US" altLang="zh-CN" dirty="0"/>
+              <a:t>Math</a:t>
+            </a:r>
+            <a:r>
+              <a:rPr lang="zh-CN" altLang="en-US" dirty="0"/>
+              <a:t> </a:t>
+            </a:r>
+            <a:r>
+              <a:rPr lang="en-US" altLang="zh-CN" dirty="0"/>
+              <a:t>Destruction</a:t>
+            </a:r>
+            <a:endParaRPr lang="en-US" dirty="0"/>
+          </a:p>
+        </p:txBody>
+      </p:sp>
+      <p:sp>
+        <p:nvSpPr>
+          <p:cNvPr id="7" name="TextBox 6">
+            <a:extLst>
+              <a:ext uri="{FF2B5EF4-FFF2-40B4-BE49-F238E27FC236}">
+                <a16:creationId xmlns:a16="http://schemas.microsoft.com/office/drawing/2014/main" id="{C703E7C2-A6DA-5640-9587-4D7877F623B7}"/>
+              </a:ext>
+            </a:extLst>
+          </p:cNvPr>
+          <p:cNvSpPr txBox="1"/>
+          <p:nvPr/>
+        </p:nvSpPr>
+        <p:spPr>
+          <a:xfrm>
+            <a:off x="381000" y="1108151"/>
+            <a:ext cx="8305800" cy="3970318"/>
+          </a:xfrm>
+          <a:prstGeom prst="rect">
+            <a:avLst/>
+          </a:prstGeom>
+          <a:noFill/>
+        </p:spPr>
+        <p:txBody>
+          <a:bodyPr wrap="square" rtlCol="0">
+            <a:spAutoFit/>
+          </a:bodyPr>
+          <a:lstStyle/>
+          <a:p>
+            <a:r>
+              <a:rPr lang="en-US" altLang="zh-CN" dirty="0"/>
+              <a:t>Definition:</a:t>
+            </a:r>
+          </a:p>
+          <a:p>
+            <a:r>
+              <a:rPr lang="en-US" altLang="zh-CN" dirty="0"/>
+              <a:t>The</a:t>
+            </a:r>
+            <a:r>
+              <a:rPr lang="zh-CN" altLang="en-US" dirty="0"/>
+              <a:t> </a:t>
+            </a:r>
+            <a:r>
+              <a:rPr lang="en-US" altLang="zh-CN" dirty="0"/>
+              <a:t>outcome</a:t>
+            </a:r>
+            <a:r>
+              <a:rPr lang="zh-CN" altLang="en-US" dirty="0"/>
+              <a:t> </a:t>
+            </a:r>
+            <a:r>
+              <a:rPr lang="en-US" altLang="zh-CN" dirty="0"/>
+              <a:t>of</a:t>
+            </a:r>
+            <a:r>
+              <a:rPr lang="zh-CN" altLang="en-US" dirty="0"/>
+              <a:t> </a:t>
+            </a:r>
+            <a:r>
+              <a:rPr lang="en-US" altLang="zh-CN" dirty="0"/>
+              <a:t>a</a:t>
+            </a:r>
+            <a:r>
+              <a:rPr lang="zh-CN" altLang="en-US" dirty="0"/>
+              <a:t> </a:t>
+            </a:r>
+            <a:r>
+              <a:rPr lang="en-US" altLang="zh-CN" dirty="0"/>
+              <a:t>model</a:t>
+            </a:r>
+            <a:r>
+              <a:rPr lang="zh-CN" altLang="en-US" dirty="0"/>
+              <a:t> </a:t>
+            </a:r>
+            <a:r>
+              <a:rPr lang="en-US" altLang="zh-CN" dirty="0"/>
+              <a:t>is</a:t>
+            </a:r>
+            <a:r>
+              <a:rPr lang="zh-CN" altLang="en-US" dirty="0"/>
+              <a:t> </a:t>
+            </a:r>
+            <a:r>
+              <a:rPr lang="en-US" altLang="zh-CN" dirty="0"/>
+              <a:t>not</a:t>
+            </a:r>
+            <a:r>
+              <a:rPr lang="zh-CN" altLang="en-US" dirty="0"/>
+              <a:t> </a:t>
+            </a:r>
+            <a:r>
+              <a:rPr lang="en-US" altLang="zh-CN" dirty="0"/>
+              <a:t>easily measurable, can have negative consequences, or has self-fulfilling feedback loop.</a:t>
+            </a:r>
+          </a:p>
+          <a:p>
+            <a:endParaRPr lang="en-US" altLang="zh-CN" dirty="0"/>
+          </a:p>
+          <a:p>
+            <a:r>
+              <a:rPr lang="en-US" altLang="zh-CN" dirty="0"/>
+              <a:t>Why</a:t>
+            </a:r>
+            <a:r>
+              <a:rPr lang="zh-CN" altLang="en-US" dirty="0"/>
+              <a:t> </a:t>
+            </a:r>
+            <a:r>
+              <a:rPr lang="en-US" altLang="zh-CN" dirty="0"/>
+              <a:t>our</a:t>
+            </a:r>
+            <a:r>
+              <a:rPr lang="zh-CN" altLang="en-US" dirty="0"/>
+              <a:t> </a:t>
+            </a:r>
+            <a:r>
+              <a:rPr lang="en-US" altLang="zh-CN" dirty="0"/>
+              <a:t>model</a:t>
+            </a:r>
+            <a:r>
+              <a:rPr lang="zh-CN" altLang="en-US" dirty="0"/>
+              <a:t> </a:t>
+            </a:r>
+            <a:r>
+              <a:rPr lang="en-US" altLang="zh-CN" dirty="0"/>
+              <a:t>is</a:t>
+            </a:r>
+            <a:r>
+              <a:rPr lang="zh-CN" altLang="en-US" dirty="0"/>
+              <a:t> </a:t>
+            </a:r>
+            <a:r>
+              <a:rPr lang="en-US" altLang="zh-CN" dirty="0"/>
+              <a:t>not</a:t>
+            </a:r>
+            <a:r>
+              <a:rPr lang="zh-CN" altLang="en-US" dirty="0"/>
+              <a:t> </a:t>
+            </a:r>
+            <a:r>
+              <a:rPr lang="en-US" altLang="zh-CN" dirty="0"/>
+              <a:t>a</a:t>
+            </a:r>
+            <a:r>
+              <a:rPr lang="zh-CN" altLang="en-US" dirty="0"/>
+              <a:t> </a:t>
+            </a:r>
+            <a:r>
+              <a:rPr lang="en-US" altLang="zh-CN" dirty="0"/>
+              <a:t>WMD?</a:t>
+            </a:r>
+          </a:p>
+          <a:p>
+            <a:pPr marL="285750" indent="-285750">
+              <a:buFont typeface="Arial" panose="020B0604020202020204" pitchFamily="34" charset="0"/>
+              <a:buChar char="•"/>
+            </a:pPr>
+            <a:r>
+              <a:rPr lang="en-US" altLang="zh-CN" b="1" dirty="0"/>
+              <a:t>Has</a:t>
+            </a:r>
+            <a:r>
+              <a:rPr lang="zh-CN" altLang="en-US" b="1" dirty="0"/>
+              <a:t> </a:t>
+            </a:r>
+            <a:r>
+              <a:rPr lang="en-US" altLang="zh-CN" b="1" dirty="0"/>
+              <a:t>measurable</a:t>
+            </a:r>
+            <a:r>
+              <a:rPr lang="zh-CN" altLang="en-US" b="1" dirty="0"/>
+              <a:t> </a:t>
+            </a:r>
+            <a:r>
+              <a:rPr lang="en-US" altLang="zh-CN" b="1" dirty="0"/>
+              <a:t>outcome:</a:t>
+            </a:r>
+            <a:r>
+              <a:rPr lang="zh-CN" altLang="en-US" b="1" dirty="0"/>
+              <a:t> </a:t>
+            </a:r>
+            <a:r>
+              <a:rPr lang="en-US" altLang="zh-CN" dirty="0"/>
+              <a:t>status</a:t>
+            </a:r>
+            <a:r>
+              <a:rPr lang="zh-CN" altLang="en-US" dirty="0"/>
+              <a:t> </a:t>
+            </a:r>
+            <a:r>
+              <a:rPr lang="en-US" altLang="zh-CN" dirty="0"/>
+              <a:t>of</a:t>
+            </a:r>
+            <a:r>
+              <a:rPr lang="zh-CN" altLang="en-US" dirty="0"/>
+              <a:t> </a:t>
+            </a:r>
+            <a:r>
+              <a:rPr lang="en-US" altLang="zh-CN" dirty="0"/>
+              <a:t>an</a:t>
+            </a:r>
+            <a:r>
+              <a:rPr lang="zh-CN" altLang="en-US" dirty="0"/>
+              <a:t> </a:t>
+            </a:r>
+            <a:r>
+              <a:rPr lang="en-US" altLang="zh-CN" dirty="0"/>
+              <a:t>application</a:t>
+            </a:r>
+          </a:p>
+          <a:p>
+            <a:pPr marL="285750" indent="-285750">
+              <a:buFont typeface="Arial" panose="020B0604020202020204" pitchFamily="34" charset="0"/>
+              <a:buChar char="•"/>
+            </a:pPr>
+            <a:r>
+              <a:rPr lang="en-US" altLang="zh-CN" b="1" dirty="0"/>
+              <a:t>No</a:t>
+            </a:r>
+            <a:r>
+              <a:rPr lang="zh-CN" altLang="en-US" b="1" dirty="0"/>
+              <a:t> </a:t>
+            </a:r>
+            <a:r>
+              <a:rPr lang="en-US" altLang="zh-CN" b="1" dirty="0"/>
+              <a:t>negative</a:t>
+            </a:r>
+            <a:r>
+              <a:rPr lang="zh-CN" altLang="en-US" b="1" dirty="0"/>
+              <a:t> </a:t>
+            </a:r>
+            <a:r>
+              <a:rPr lang="en-US" altLang="zh-CN" b="1" dirty="0"/>
+              <a:t>consequence:</a:t>
+            </a:r>
+            <a:r>
+              <a:rPr lang="zh-CN" altLang="en-US" b="1" dirty="0"/>
+              <a:t> </a:t>
+            </a:r>
+            <a:r>
+              <a:rPr lang="en-US" altLang="zh-CN" dirty="0"/>
+              <a:t>most</a:t>
+            </a:r>
+            <a:r>
+              <a:rPr lang="zh-CN" altLang="en-US" dirty="0"/>
+              <a:t> </a:t>
+            </a:r>
+            <a:r>
+              <a:rPr lang="en-US" altLang="zh-CN" dirty="0"/>
+              <a:t>of</a:t>
+            </a:r>
+            <a:r>
+              <a:rPr lang="zh-CN" altLang="en-US" dirty="0"/>
+              <a:t> </a:t>
+            </a:r>
+            <a:r>
+              <a:rPr lang="en-US" altLang="zh-CN" dirty="0"/>
+              <a:t>the</a:t>
+            </a:r>
+            <a:r>
+              <a:rPr lang="zh-CN" altLang="en-US" dirty="0"/>
+              <a:t> </a:t>
+            </a:r>
+            <a:r>
+              <a:rPr lang="en-US" altLang="zh-CN" dirty="0"/>
+              <a:t>applications</a:t>
+            </a:r>
+            <a:r>
+              <a:rPr lang="zh-CN" altLang="en-US" dirty="0"/>
+              <a:t> </a:t>
+            </a:r>
+            <a:r>
+              <a:rPr lang="en-US" altLang="zh-CN" dirty="0"/>
+              <a:t>are</a:t>
+            </a:r>
+            <a:r>
+              <a:rPr lang="zh-CN" altLang="en-US" dirty="0"/>
+              <a:t> </a:t>
+            </a:r>
+            <a:r>
+              <a:rPr lang="en-US" altLang="zh-CN" dirty="0"/>
+              <a:t>accepted,</a:t>
+            </a:r>
+            <a:r>
+              <a:rPr lang="zh-CN" altLang="en-US" dirty="0"/>
+              <a:t> </a:t>
+            </a:r>
+            <a:r>
+              <a:rPr lang="en-US" altLang="zh-CN" dirty="0"/>
+              <a:t>our</a:t>
+            </a:r>
+            <a:r>
+              <a:rPr lang="zh-CN" altLang="en-US" dirty="0"/>
+              <a:t> </a:t>
+            </a:r>
+            <a:r>
+              <a:rPr lang="en-US" altLang="zh-CN" dirty="0"/>
+              <a:t>model</a:t>
+            </a:r>
+            <a:r>
+              <a:rPr lang="zh-CN" altLang="en-US" dirty="0"/>
+              <a:t> </a:t>
+            </a:r>
+            <a:r>
+              <a:rPr lang="en-US" altLang="zh-CN" dirty="0"/>
+              <a:t>focus</a:t>
+            </a:r>
+            <a:r>
+              <a:rPr lang="zh-CN" altLang="en-US" dirty="0"/>
+              <a:t> </a:t>
+            </a:r>
+            <a:r>
+              <a:rPr lang="en-US" altLang="zh-CN" dirty="0"/>
+              <a:t>on</a:t>
+            </a:r>
+            <a:r>
+              <a:rPr lang="zh-CN" altLang="en-US" dirty="0"/>
+              <a:t> </a:t>
+            </a:r>
+            <a:r>
+              <a:rPr lang="en-US" altLang="zh-CN" dirty="0"/>
+              <a:t>helping</a:t>
+            </a:r>
+            <a:r>
+              <a:rPr lang="zh-CN" altLang="en-US" dirty="0"/>
+              <a:t> </a:t>
+            </a:r>
+            <a:r>
+              <a:rPr lang="en-US" altLang="zh-CN" dirty="0"/>
+              <a:t>those</a:t>
+            </a:r>
+            <a:r>
+              <a:rPr lang="zh-CN" altLang="en-US" dirty="0"/>
+              <a:t> </a:t>
+            </a:r>
+            <a:r>
+              <a:rPr lang="en-US" altLang="zh-CN" dirty="0"/>
+              <a:t>who</a:t>
+            </a:r>
+            <a:r>
+              <a:rPr lang="zh-CN" altLang="en-US" dirty="0"/>
+              <a:t> </a:t>
+            </a:r>
+            <a:r>
+              <a:rPr lang="en-US" altLang="zh-CN" dirty="0"/>
+              <a:t>might</a:t>
+            </a:r>
+            <a:r>
+              <a:rPr lang="zh-CN" altLang="en-US" dirty="0"/>
+              <a:t> </a:t>
+            </a:r>
+            <a:r>
+              <a:rPr lang="en-US" altLang="zh-CN" dirty="0"/>
+              <a:t>not</a:t>
+            </a:r>
+            <a:r>
+              <a:rPr lang="zh-CN" altLang="en-US" dirty="0"/>
+              <a:t> </a:t>
+            </a:r>
+            <a:r>
+              <a:rPr lang="en-US" altLang="zh-CN" dirty="0"/>
+              <a:t>be</a:t>
+            </a:r>
+            <a:r>
+              <a:rPr lang="zh-CN" altLang="en-US" dirty="0"/>
+              <a:t> </a:t>
+            </a:r>
+            <a:r>
+              <a:rPr lang="en-US" altLang="zh-CN" dirty="0"/>
+              <a:t>approved</a:t>
+            </a:r>
+            <a:r>
+              <a:rPr lang="zh-CN" altLang="en-US" dirty="0"/>
+              <a:t> </a:t>
+            </a:r>
+            <a:r>
+              <a:rPr lang="en-US" altLang="zh-CN" dirty="0"/>
+              <a:t>become</a:t>
+            </a:r>
+            <a:r>
+              <a:rPr lang="zh-CN" altLang="en-US" dirty="0"/>
+              <a:t> </a:t>
+            </a:r>
+            <a:r>
+              <a:rPr lang="en-US" altLang="zh-CN" dirty="0"/>
+              <a:t>aware</a:t>
+            </a:r>
+            <a:r>
+              <a:rPr lang="zh-CN" altLang="en-US" dirty="0"/>
+              <a:t> </a:t>
+            </a:r>
+            <a:r>
+              <a:rPr lang="en-US" altLang="zh-CN" dirty="0"/>
+              <a:t>of</a:t>
+            </a:r>
+            <a:r>
+              <a:rPr lang="zh-CN" altLang="en-US" dirty="0"/>
+              <a:t> </a:t>
+            </a:r>
+            <a:r>
+              <a:rPr lang="en-US" altLang="zh-CN" dirty="0"/>
+              <a:t>their</a:t>
+            </a:r>
+            <a:r>
+              <a:rPr lang="zh-CN" altLang="en-US" dirty="0"/>
+              <a:t> </a:t>
+            </a:r>
+            <a:r>
+              <a:rPr lang="en-US" altLang="zh-CN" dirty="0"/>
+              <a:t>risks</a:t>
+            </a:r>
+          </a:p>
+          <a:p>
+            <a:pPr marL="285750" indent="-285750">
+              <a:buFont typeface="Arial" panose="020B0604020202020204" pitchFamily="34" charset="0"/>
+              <a:buChar char="•"/>
+            </a:pPr>
+            <a:r>
+              <a:rPr lang="en-US" altLang="zh-CN" b="1" dirty="0"/>
+              <a:t>No</a:t>
+            </a:r>
+            <a:r>
+              <a:rPr lang="zh-CN" altLang="en-US" b="1" dirty="0"/>
+              <a:t> </a:t>
+            </a:r>
+            <a:r>
+              <a:rPr lang="en-US" altLang="zh-CN" b="1" dirty="0"/>
+              <a:t>prominent</a:t>
+            </a:r>
+            <a:r>
+              <a:rPr lang="zh-CN" altLang="en-US" b="1" dirty="0"/>
+              <a:t> </a:t>
+            </a:r>
+            <a:r>
+              <a:rPr lang="en-US" altLang="zh-CN" b="1" dirty="0"/>
+              <a:t>self-fulfilling</a:t>
+            </a:r>
+            <a:r>
+              <a:rPr lang="zh-CN" altLang="en-US" b="1" dirty="0"/>
+              <a:t> </a:t>
+            </a:r>
+            <a:r>
+              <a:rPr lang="en-US" altLang="zh-CN" b="1" dirty="0"/>
+              <a:t>feedback</a:t>
+            </a:r>
+            <a:r>
+              <a:rPr lang="zh-CN" altLang="en-US" b="1" dirty="0"/>
+              <a:t> </a:t>
+            </a:r>
+            <a:r>
+              <a:rPr lang="en-US" altLang="zh-CN" b="1" dirty="0"/>
+              <a:t>loop:</a:t>
+            </a:r>
+            <a:r>
+              <a:rPr lang="zh-CN" altLang="en-US" b="1" dirty="0"/>
+              <a:t> </a:t>
+            </a:r>
+            <a:r>
+              <a:rPr lang="en-US" altLang="zh-CN" dirty="0"/>
+              <a:t>Whether</a:t>
+            </a:r>
+            <a:r>
+              <a:rPr lang="zh-CN" altLang="en-US" dirty="0"/>
+              <a:t> </a:t>
+            </a:r>
+            <a:r>
+              <a:rPr lang="en-US" altLang="zh-CN" dirty="0"/>
+              <a:t>an</a:t>
+            </a:r>
+            <a:r>
+              <a:rPr lang="zh-CN" altLang="en-US" dirty="0"/>
+              <a:t> </a:t>
+            </a:r>
+            <a:r>
+              <a:rPr lang="en-US" altLang="zh-CN" dirty="0"/>
+              <a:t>H1-B</a:t>
+            </a:r>
+            <a:r>
+              <a:rPr lang="zh-CN" altLang="en-US" dirty="0"/>
+              <a:t> </a:t>
+            </a:r>
+            <a:r>
+              <a:rPr lang="en-US" altLang="zh-CN" dirty="0"/>
+              <a:t>is</a:t>
+            </a:r>
+            <a:r>
+              <a:rPr lang="zh-CN" altLang="en-US" dirty="0"/>
+              <a:t> </a:t>
+            </a:r>
+            <a:r>
+              <a:rPr lang="en-US" altLang="zh-CN" dirty="0"/>
+              <a:t>going</a:t>
+            </a:r>
+            <a:r>
+              <a:rPr lang="zh-CN" altLang="en-US" dirty="0"/>
+              <a:t> </a:t>
+            </a:r>
+            <a:r>
+              <a:rPr lang="en-US" altLang="zh-CN" dirty="0"/>
+              <a:t>to</a:t>
+            </a:r>
+            <a:r>
+              <a:rPr lang="zh-CN" altLang="en-US" dirty="0"/>
+              <a:t> </a:t>
+            </a:r>
+            <a:r>
+              <a:rPr lang="en-US" altLang="zh-CN" dirty="0"/>
+              <a:t>be</a:t>
+            </a:r>
+            <a:r>
+              <a:rPr lang="zh-CN" altLang="en-US" dirty="0"/>
+              <a:t> </a:t>
+            </a:r>
+            <a:r>
+              <a:rPr lang="en-US" altLang="zh-CN" dirty="0"/>
+              <a:t>approved</a:t>
+            </a:r>
+            <a:r>
+              <a:rPr lang="zh-CN" altLang="en-US" dirty="0"/>
+              <a:t> </a:t>
+            </a:r>
+            <a:r>
+              <a:rPr lang="en-US" altLang="zh-CN" dirty="0"/>
+              <a:t>is</a:t>
+            </a:r>
+            <a:r>
+              <a:rPr lang="zh-CN" altLang="en-US" dirty="0"/>
+              <a:t> </a:t>
+            </a:r>
+            <a:r>
+              <a:rPr lang="en-US" altLang="zh-CN" dirty="0"/>
+              <a:t>determined</a:t>
+            </a:r>
+            <a:r>
+              <a:rPr lang="zh-CN" altLang="en-US" dirty="0"/>
+              <a:t> </a:t>
+            </a:r>
+            <a:r>
+              <a:rPr lang="en-US" altLang="zh-CN" dirty="0"/>
+              <a:t>entirely</a:t>
+            </a:r>
+            <a:r>
+              <a:rPr lang="zh-CN" altLang="en-US" dirty="0"/>
+              <a:t> </a:t>
+            </a:r>
+            <a:r>
+              <a:rPr lang="en-US" altLang="zh-CN" dirty="0"/>
+              <a:t>the</a:t>
+            </a:r>
+            <a:r>
+              <a:rPr lang="zh-CN" altLang="en-US" dirty="0"/>
+              <a:t> </a:t>
+            </a:r>
+            <a:r>
+              <a:rPr lang="en-US" altLang="zh-CN" dirty="0"/>
+              <a:t>competency</a:t>
+            </a:r>
+            <a:r>
+              <a:rPr lang="zh-CN" altLang="en-US" dirty="0"/>
+              <a:t> </a:t>
+            </a:r>
+            <a:r>
+              <a:rPr lang="en-US" altLang="zh-CN" dirty="0"/>
+              <a:t>of</a:t>
+            </a:r>
+            <a:r>
+              <a:rPr lang="zh-CN" altLang="en-US" dirty="0"/>
+              <a:t> </a:t>
+            </a:r>
+            <a:r>
+              <a:rPr lang="en-US" altLang="zh-CN" dirty="0"/>
+              <a:t>the</a:t>
+            </a:r>
+            <a:r>
+              <a:rPr lang="zh-CN" altLang="en-US" dirty="0"/>
+              <a:t> </a:t>
+            </a:r>
+            <a:r>
+              <a:rPr lang="en-US" altLang="zh-CN" dirty="0"/>
+              <a:t>employee</a:t>
+            </a:r>
+            <a:r>
+              <a:rPr lang="zh-CN" altLang="en-US" dirty="0"/>
+              <a:t> </a:t>
+            </a:r>
+            <a:r>
+              <a:rPr lang="en-US" altLang="zh-CN" dirty="0"/>
+              <a:t>and</a:t>
+            </a:r>
+            <a:r>
+              <a:rPr lang="zh-CN" altLang="en-US" dirty="0"/>
+              <a:t> </a:t>
+            </a:r>
+            <a:r>
+              <a:rPr lang="en-US" altLang="zh-CN" dirty="0"/>
+              <a:t>the</a:t>
+            </a:r>
+            <a:r>
+              <a:rPr lang="zh-CN" altLang="en-US" dirty="0"/>
+              <a:t> </a:t>
+            </a:r>
+            <a:r>
+              <a:rPr lang="en-US" altLang="zh-CN" dirty="0"/>
+              <a:t>industry</a:t>
+            </a:r>
+            <a:r>
+              <a:rPr lang="zh-CN" altLang="en-US" dirty="0"/>
+              <a:t> </a:t>
+            </a:r>
+            <a:r>
+              <a:rPr lang="en-US" altLang="zh-CN" dirty="0"/>
+              <a:t>demand.</a:t>
+            </a:r>
+            <a:r>
+              <a:rPr lang="zh-CN" altLang="en-US" dirty="0"/>
+              <a:t> </a:t>
+            </a:r>
+            <a:r>
+              <a:rPr lang="en-US" altLang="zh-CN" dirty="0"/>
+              <a:t>These</a:t>
+            </a:r>
+            <a:r>
+              <a:rPr lang="zh-CN" altLang="en-US" dirty="0"/>
+              <a:t> </a:t>
+            </a:r>
+            <a:r>
+              <a:rPr lang="en-US" altLang="zh-CN" dirty="0"/>
+              <a:t>two</a:t>
+            </a:r>
+            <a:r>
+              <a:rPr lang="zh-CN" altLang="en-US" dirty="0"/>
+              <a:t> </a:t>
+            </a:r>
+            <a:r>
+              <a:rPr lang="en-US" altLang="zh-CN" dirty="0"/>
+              <a:t>factors</a:t>
+            </a:r>
+            <a:r>
+              <a:rPr lang="zh-CN" altLang="en-US" dirty="0"/>
+              <a:t> </a:t>
+            </a:r>
+            <a:r>
+              <a:rPr lang="en-US" altLang="zh-CN" dirty="0"/>
+              <a:t>are</a:t>
+            </a:r>
+            <a:r>
+              <a:rPr lang="zh-CN" altLang="en-US" dirty="0"/>
+              <a:t> </a:t>
+            </a:r>
+            <a:r>
+              <a:rPr lang="en-US" altLang="zh-CN" dirty="0"/>
+              <a:t>unlikely</a:t>
+            </a:r>
+            <a:r>
+              <a:rPr lang="zh-CN" altLang="en-US" dirty="0"/>
+              <a:t> </a:t>
+            </a:r>
+            <a:r>
+              <a:rPr lang="en-US" altLang="zh-CN" dirty="0"/>
+              <a:t>to</a:t>
+            </a:r>
+            <a:r>
+              <a:rPr lang="zh-CN" altLang="en-US" dirty="0"/>
+              <a:t> </a:t>
+            </a:r>
+            <a:r>
+              <a:rPr lang="en-US" altLang="zh-CN" dirty="0"/>
+              <a:t>be</a:t>
+            </a:r>
+            <a:r>
+              <a:rPr lang="zh-CN" altLang="en-US" dirty="0"/>
+              <a:t> </a:t>
+            </a:r>
+            <a:r>
+              <a:rPr lang="en-US" altLang="zh-CN" dirty="0"/>
+              <a:t>affected</a:t>
+            </a:r>
+            <a:r>
+              <a:rPr lang="zh-CN" altLang="en-US" dirty="0"/>
+              <a:t> </a:t>
+            </a:r>
+            <a:r>
+              <a:rPr lang="en-US" altLang="zh-CN" dirty="0"/>
+              <a:t>by</a:t>
+            </a:r>
+            <a:r>
+              <a:rPr lang="zh-CN" altLang="en-US" dirty="0"/>
+              <a:t> </a:t>
+            </a:r>
+            <a:r>
+              <a:rPr lang="en-US" altLang="zh-CN" dirty="0"/>
+              <a:t>the</a:t>
+            </a:r>
+            <a:r>
+              <a:rPr lang="zh-CN" altLang="en-US" dirty="0"/>
+              <a:t> </a:t>
+            </a:r>
+            <a:r>
+              <a:rPr lang="en-US" altLang="zh-CN" dirty="0"/>
+              <a:t>prediction</a:t>
+            </a:r>
+            <a:r>
+              <a:rPr lang="zh-CN" altLang="en-US" dirty="0"/>
+              <a:t> </a:t>
+            </a:r>
+            <a:r>
+              <a:rPr lang="en-US" altLang="zh-CN" dirty="0"/>
+              <a:t>of</a:t>
+            </a:r>
+            <a:r>
+              <a:rPr lang="zh-CN" altLang="en-US" dirty="0"/>
+              <a:t> </a:t>
+            </a:r>
+            <a:r>
+              <a:rPr lang="en-US" altLang="zh-CN" dirty="0"/>
+              <a:t>the</a:t>
+            </a:r>
+            <a:r>
+              <a:rPr lang="zh-CN" altLang="en-US" dirty="0"/>
+              <a:t> </a:t>
+            </a:r>
+            <a:r>
+              <a:rPr lang="en-US" altLang="zh-CN" dirty="0"/>
+              <a:t>H1-B</a:t>
+            </a:r>
+            <a:r>
+              <a:rPr lang="zh-CN" altLang="en-US" dirty="0"/>
+              <a:t> </a:t>
+            </a:r>
+            <a:r>
+              <a:rPr lang="en-US" altLang="zh-CN" dirty="0"/>
+              <a:t>application</a:t>
+            </a:r>
+            <a:r>
+              <a:rPr lang="zh-CN" altLang="en-US" dirty="0"/>
+              <a:t> </a:t>
+            </a:r>
+            <a:r>
+              <a:rPr lang="en-US" altLang="zh-CN" dirty="0"/>
+              <a:t>status</a:t>
+            </a:r>
+          </a:p>
+          <a:p>
+            <a:pPr marL="285750" indent="-285750">
+              <a:buFont typeface="Arial" panose="020B0604020202020204" pitchFamily="34" charset="0"/>
+              <a:buChar char="•"/>
+            </a:pPr>
+            <a:r>
+              <a:rPr lang="en-US" altLang="zh-CN" b="1" dirty="0"/>
+              <a:t>Demand</a:t>
+            </a:r>
+            <a:r>
+              <a:rPr lang="zh-CN" altLang="en-US" b="1" dirty="0"/>
+              <a:t> </a:t>
+            </a:r>
+            <a:r>
+              <a:rPr lang="en-US" altLang="zh-CN" b="1" dirty="0"/>
+              <a:t>&amp;</a:t>
+            </a:r>
+            <a:r>
+              <a:rPr lang="zh-CN" altLang="en-US" b="1" dirty="0"/>
+              <a:t> </a:t>
+            </a:r>
+            <a:r>
+              <a:rPr lang="en-US" altLang="zh-CN" b="1" dirty="0"/>
+              <a:t>supply</a:t>
+            </a:r>
+            <a:r>
+              <a:rPr lang="en-US" altLang="zh-CN" dirty="0"/>
+              <a:t>:</a:t>
+            </a:r>
+            <a:r>
+              <a:rPr lang="zh-CN" altLang="en-US" dirty="0"/>
+              <a:t> </a:t>
+            </a:r>
+            <a:r>
+              <a:rPr lang="en-US" altLang="zh-CN" dirty="0"/>
+              <a:t>The employment is based on demand and supply. </a:t>
+            </a:r>
+          </a:p>
+          <a:p>
+            <a:endParaRPr lang="en-US" altLang="zh-CN" dirty="0"/>
           </a:p>
         </p:txBody>
       </p:sp>
     </p:spTree>
     <p:extLst>
       <p:ext uri="{BB962C8B-B14F-4D97-AF65-F5344CB8AC3E}">
-        <p14:creationId xmlns:p14="http://schemas.microsoft.com/office/powerpoint/2010/main" val="1082780974"/>
+        <p14:creationId xmlns:p14="http://schemas.microsoft.com/office/powerpoint/2010/main" val="3147588137"/>
       </p:ext>
     </p:extLst>
   </p:cSld>
@@ -10793,10 +11555,60 @@
       </p:grpSpPr>
       <p:sp>
         <p:nvSpPr>
-          <p:cNvPr id="2" name="Title 1">
+          <p:cNvPr id="2" name="Text Placeholder 1">
             <a:extLst>
               <a:ext uri="{FF2B5EF4-FFF2-40B4-BE49-F238E27FC236}">
-                <a16:creationId xmlns:a16="http://schemas.microsoft.com/office/drawing/2014/main" id="{B3DC529B-4E4C-1B41-A845-40FD3B103883}"/>
+                <a16:creationId xmlns:a16="http://schemas.microsoft.com/office/drawing/2014/main" id="{A5A7749C-5DF7-9D41-B3E4-FCAE6F364D46}"/>
+              </a:ext>
+            </a:extLst>
+          </p:cNvPr>
+          <p:cNvSpPr>
+            <a:spLocks noGrp="1"/>
+          </p:cNvSpPr>
+          <p:nvPr>
+            <p:ph type="body" sz="quarter" idx="13"/>
+          </p:nvPr>
+        </p:nvSpPr>
+        <p:spPr/>
+        <p:txBody>
+          <a:bodyPr/>
+          <a:lstStyle/>
+          <a:p>
+            <a:r>
+              <a:rPr lang="en-US" sz="2000" dirty="0"/>
+              <a:t>Try more models on it to deal with the imbalanced labels.</a:t>
+            </a:r>
+          </a:p>
+          <a:p>
+            <a:r>
+              <a:rPr lang="en-US" sz="2000" dirty="0"/>
+              <a:t>Dig into the interpretation of the models. </a:t>
+            </a:r>
+          </a:p>
+          <a:p>
+            <a:r>
+              <a:rPr lang="en-US" sz="2000" dirty="0"/>
+              <a:t>Find correlations between the features to make the model more accurate and reasonable. </a:t>
+            </a:r>
+          </a:p>
+          <a:p>
+            <a:pPr lvl="1"/>
+            <a:r>
+              <a:rPr lang="en-US" sz="1800" dirty="0"/>
+              <a:t>This is hard since all the features are in different format and we have done multiple transformation to the original feature. </a:t>
+            </a:r>
+          </a:p>
+          <a:p>
+            <a:endParaRPr lang="en-US" dirty="0"/>
+          </a:p>
+        </p:txBody>
+      </p:sp>
+      <p:sp>
+        <p:nvSpPr>
+          <p:cNvPr id="3" name="Title 2">
+            <a:extLst>
+              <a:ext uri="{FF2B5EF4-FFF2-40B4-BE49-F238E27FC236}">
+                <a16:creationId xmlns:a16="http://schemas.microsoft.com/office/drawing/2014/main" id="{6F58DB70-D46C-3341-83A0-10B431FE9AAB}"/>
               </a:ext>
             </a:extLst>
           </p:cNvPr>
@@ -10809,832 +11621,20 @@
         </p:nvSpPr>
         <p:spPr/>
         <p:txBody>
-          <a:bodyPr>
-            <a:normAutofit/>
-          </a:bodyPr>
+          <a:bodyPr/>
           <a:lstStyle/>
           <a:p>
             <a:r>
-              <a:rPr lang="en-US" altLang="zh-CN" dirty="0"/>
-              <a:t>Weapons</a:t>
-            </a:r>
-            <a:r>
-              <a:rPr lang="zh-CN" altLang="en-US" dirty="0"/>
-              <a:t> </a:t>
-            </a:r>
-            <a:r>
-              <a:rPr lang="en-US" altLang="zh-CN" dirty="0"/>
-              <a:t>of</a:t>
-            </a:r>
-            <a:r>
-              <a:rPr lang="zh-CN" altLang="en-US" dirty="0"/>
-              <a:t> </a:t>
-            </a:r>
-            <a:r>
-              <a:rPr lang="en-US" altLang="zh-CN" dirty="0"/>
-              <a:t>Math</a:t>
-            </a:r>
-            <a:r>
-              <a:rPr lang="zh-CN" altLang="en-US" dirty="0"/>
-              <a:t> </a:t>
-            </a:r>
-            <a:r>
-              <a:rPr lang="en-US" altLang="zh-CN" dirty="0"/>
-              <a:t>Destruction</a:t>
-            </a:r>
-            <a:endParaRPr lang="en-US" dirty="0"/>
-          </a:p>
-        </p:txBody>
-      </p:sp>
-      <p:sp>
-        <p:nvSpPr>
-          <p:cNvPr id="7" name="TextBox 6">
-            <a:extLst>
-              <a:ext uri="{FF2B5EF4-FFF2-40B4-BE49-F238E27FC236}">
-                <a16:creationId xmlns:a16="http://schemas.microsoft.com/office/drawing/2014/main" id="{C703E7C2-A6DA-5640-9587-4D7877F623B7}"/>
-              </a:ext>
-            </a:extLst>
-          </p:cNvPr>
-          <p:cNvSpPr txBox="1"/>
-          <p:nvPr/>
-        </p:nvSpPr>
-        <p:spPr>
-          <a:xfrm>
-            <a:off x="381000" y="1108151"/>
-            <a:ext cx="8305800" cy="3970318"/>
-          </a:xfrm>
-          <a:prstGeom prst="rect">
-            <a:avLst/>
-          </a:prstGeom>
-          <a:noFill/>
-        </p:spPr>
-        <p:txBody>
-          <a:bodyPr wrap="square" rtlCol="0">
-            <a:spAutoFit/>
-          </a:bodyPr>
-          <a:lstStyle/>
-          <a:p>
-            <a:r>
-              <a:rPr lang="en-US" altLang="zh-CN" dirty="0"/>
-              <a:t>Definition:</a:t>
-            </a:r>
-          </a:p>
-          <a:p>
-            <a:r>
-              <a:rPr lang="en-US" altLang="zh-CN" dirty="0"/>
-              <a:t>The</a:t>
-            </a:r>
-            <a:r>
-              <a:rPr lang="zh-CN" altLang="en-US" dirty="0"/>
-              <a:t> </a:t>
-            </a:r>
-            <a:r>
-              <a:rPr lang="en-US" altLang="zh-CN" dirty="0"/>
-              <a:t>outcome</a:t>
-            </a:r>
-            <a:r>
-              <a:rPr lang="zh-CN" altLang="en-US" dirty="0"/>
-              <a:t> </a:t>
-            </a:r>
-            <a:r>
-              <a:rPr lang="en-US" altLang="zh-CN" dirty="0"/>
-              <a:t>of</a:t>
-            </a:r>
-            <a:r>
-              <a:rPr lang="zh-CN" altLang="en-US" dirty="0"/>
-              <a:t> </a:t>
-            </a:r>
-            <a:r>
-              <a:rPr lang="en-US" altLang="zh-CN" dirty="0"/>
-              <a:t>a</a:t>
-            </a:r>
-            <a:r>
-              <a:rPr lang="zh-CN" altLang="en-US" dirty="0"/>
-              <a:t> </a:t>
-            </a:r>
-            <a:r>
-              <a:rPr lang="en-US" altLang="zh-CN" dirty="0"/>
-              <a:t>model</a:t>
-            </a:r>
-            <a:r>
-              <a:rPr lang="zh-CN" altLang="en-US" dirty="0"/>
-              <a:t> </a:t>
-            </a:r>
-            <a:r>
-              <a:rPr lang="en-US" altLang="zh-CN" dirty="0"/>
-              <a:t>is</a:t>
-            </a:r>
-            <a:r>
-              <a:rPr lang="zh-CN" altLang="en-US" dirty="0"/>
-              <a:t> </a:t>
-            </a:r>
-            <a:r>
-              <a:rPr lang="en-US" altLang="zh-CN" dirty="0"/>
-              <a:t>not</a:t>
-            </a:r>
-            <a:r>
-              <a:rPr lang="zh-CN" altLang="en-US" dirty="0"/>
-              <a:t> </a:t>
-            </a:r>
-            <a:r>
-              <a:rPr lang="en-US" altLang="zh-CN" dirty="0"/>
-              <a:t>easily measurable, can have negative consequences, or has self-fulfilling feedback loop.</a:t>
-            </a:r>
-          </a:p>
-          <a:p>
-            <a:endParaRPr lang="en-US" altLang="zh-CN" dirty="0"/>
-          </a:p>
-          <a:p>
-            <a:r>
-              <a:rPr lang="en-US" altLang="zh-CN" dirty="0"/>
-              <a:t>Why</a:t>
-            </a:r>
-            <a:r>
-              <a:rPr lang="zh-CN" altLang="en-US" dirty="0"/>
-              <a:t> </a:t>
-            </a:r>
-            <a:r>
-              <a:rPr lang="en-US" altLang="zh-CN" dirty="0"/>
-              <a:t>our</a:t>
-            </a:r>
-            <a:r>
-              <a:rPr lang="zh-CN" altLang="en-US" dirty="0"/>
-              <a:t> </a:t>
-            </a:r>
-            <a:r>
-              <a:rPr lang="en-US" altLang="zh-CN" dirty="0"/>
-              <a:t>model</a:t>
-            </a:r>
-            <a:r>
-              <a:rPr lang="zh-CN" altLang="en-US" dirty="0"/>
-              <a:t> </a:t>
-            </a:r>
-            <a:r>
-              <a:rPr lang="en-US" altLang="zh-CN" dirty="0"/>
-              <a:t>is</a:t>
-            </a:r>
-            <a:r>
-              <a:rPr lang="zh-CN" altLang="en-US" dirty="0"/>
-              <a:t> </a:t>
-            </a:r>
-            <a:r>
-              <a:rPr lang="en-US" altLang="zh-CN" dirty="0"/>
-              <a:t>not</a:t>
-            </a:r>
-            <a:r>
-              <a:rPr lang="zh-CN" altLang="en-US" dirty="0"/>
-              <a:t> </a:t>
-            </a:r>
-            <a:r>
-              <a:rPr lang="en-US" altLang="zh-CN" dirty="0"/>
-              <a:t>a</a:t>
-            </a:r>
-            <a:r>
-              <a:rPr lang="zh-CN" altLang="en-US" dirty="0"/>
-              <a:t> </a:t>
-            </a:r>
-            <a:r>
-              <a:rPr lang="en-US" altLang="zh-CN" dirty="0"/>
-              <a:t>WMD?</a:t>
-            </a:r>
-          </a:p>
-          <a:p>
-            <a:pPr marL="285750" indent="-285750">
-              <a:buFont typeface="Arial" panose="020B0604020202020204" pitchFamily="34" charset="0"/>
-              <a:buChar char="•"/>
-            </a:pPr>
-            <a:r>
-              <a:rPr lang="en-US" altLang="zh-CN" b="1" dirty="0"/>
-              <a:t>Has</a:t>
-            </a:r>
-            <a:r>
-              <a:rPr lang="zh-CN" altLang="en-US" b="1" dirty="0"/>
-              <a:t> </a:t>
-            </a:r>
-            <a:r>
-              <a:rPr lang="en-US" altLang="zh-CN" b="1" dirty="0"/>
-              <a:t>measurable</a:t>
-            </a:r>
-            <a:r>
-              <a:rPr lang="zh-CN" altLang="en-US" b="1" dirty="0"/>
-              <a:t> </a:t>
-            </a:r>
-            <a:r>
-              <a:rPr lang="en-US" altLang="zh-CN" b="1" dirty="0"/>
-              <a:t>outcome:</a:t>
-            </a:r>
-            <a:r>
-              <a:rPr lang="zh-CN" altLang="en-US" b="1" dirty="0"/>
-              <a:t> </a:t>
-            </a:r>
-            <a:r>
-              <a:rPr lang="en-US" altLang="zh-CN" dirty="0"/>
-              <a:t>status</a:t>
-            </a:r>
-            <a:r>
-              <a:rPr lang="zh-CN" altLang="en-US" dirty="0"/>
-              <a:t> </a:t>
-            </a:r>
-            <a:r>
-              <a:rPr lang="en-US" altLang="zh-CN" dirty="0"/>
-              <a:t>of</a:t>
-            </a:r>
-            <a:r>
-              <a:rPr lang="zh-CN" altLang="en-US" dirty="0"/>
-              <a:t> </a:t>
-            </a:r>
-            <a:r>
-              <a:rPr lang="en-US" altLang="zh-CN" dirty="0"/>
-              <a:t>an</a:t>
-            </a:r>
-            <a:r>
-              <a:rPr lang="zh-CN" altLang="en-US" dirty="0"/>
-              <a:t> </a:t>
-            </a:r>
-            <a:r>
-              <a:rPr lang="en-US" altLang="zh-CN" dirty="0"/>
-              <a:t>application</a:t>
-            </a:r>
-          </a:p>
-          <a:p>
-            <a:pPr marL="285750" indent="-285750">
-              <a:buFont typeface="Arial" panose="020B0604020202020204" pitchFamily="34" charset="0"/>
-              <a:buChar char="•"/>
-            </a:pPr>
-            <a:r>
-              <a:rPr lang="en-US" altLang="zh-CN" b="1" dirty="0"/>
-              <a:t>No</a:t>
-            </a:r>
-            <a:r>
-              <a:rPr lang="zh-CN" altLang="en-US" b="1" dirty="0"/>
-              <a:t> </a:t>
-            </a:r>
-            <a:r>
-              <a:rPr lang="en-US" altLang="zh-CN" b="1" dirty="0"/>
-              <a:t>negative</a:t>
-            </a:r>
-            <a:r>
-              <a:rPr lang="zh-CN" altLang="en-US" b="1" dirty="0"/>
-              <a:t> </a:t>
-            </a:r>
-            <a:r>
-              <a:rPr lang="en-US" altLang="zh-CN" b="1" dirty="0"/>
-              <a:t>consequence:</a:t>
-            </a:r>
-            <a:r>
-              <a:rPr lang="zh-CN" altLang="en-US" b="1" dirty="0"/>
-              <a:t> </a:t>
-            </a:r>
-            <a:r>
-              <a:rPr lang="en-US" altLang="zh-CN" dirty="0"/>
-              <a:t>most</a:t>
-            </a:r>
-            <a:r>
-              <a:rPr lang="zh-CN" altLang="en-US" dirty="0"/>
-              <a:t> </a:t>
-            </a:r>
-            <a:r>
-              <a:rPr lang="en-US" altLang="zh-CN" dirty="0"/>
-              <a:t>of</a:t>
-            </a:r>
-            <a:r>
-              <a:rPr lang="zh-CN" altLang="en-US" dirty="0"/>
-              <a:t> </a:t>
-            </a:r>
-            <a:r>
-              <a:rPr lang="en-US" altLang="zh-CN" dirty="0"/>
-              <a:t>the</a:t>
-            </a:r>
-            <a:r>
-              <a:rPr lang="zh-CN" altLang="en-US" dirty="0"/>
-              <a:t> </a:t>
-            </a:r>
-            <a:r>
-              <a:rPr lang="en-US" altLang="zh-CN" dirty="0"/>
-              <a:t>applications</a:t>
-            </a:r>
-            <a:r>
-              <a:rPr lang="zh-CN" altLang="en-US" dirty="0"/>
-              <a:t> </a:t>
-            </a:r>
-            <a:r>
-              <a:rPr lang="en-US" altLang="zh-CN" dirty="0"/>
-              <a:t>are</a:t>
-            </a:r>
-            <a:r>
-              <a:rPr lang="zh-CN" altLang="en-US" dirty="0"/>
-              <a:t> </a:t>
-            </a:r>
-            <a:r>
-              <a:rPr lang="en-US" altLang="zh-CN" dirty="0"/>
-              <a:t>accepted,</a:t>
-            </a:r>
-            <a:r>
-              <a:rPr lang="zh-CN" altLang="en-US" dirty="0"/>
-              <a:t> </a:t>
-            </a:r>
-            <a:r>
-              <a:rPr lang="en-US" altLang="zh-CN" dirty="0"/>
-              <a:t>our</a:t>
-            </a:r>
-            <a:r>
-              <a:rPr lang="zh-CN" altLang="en-US" dirty="0"/>
-              <a:t> </a:t>
-            </a:r>
-            <a:r>
-              <a:rPr lang="en-US" altLang="zh-CN" dirty="0"/>
-              <a:t>model</a:t>
-            </a:r>
-            <a:r>
-              <a:rPr lang="zh-CN" altLang="en-US" dirty="0"/>
-              <a:t> </a:t>
-            </a:r>
-            <a:r>
-              <a:rPr lang="en-US" altLang="zh-CN" dirty="0"/>
-              <a:t>focus</a:t>
-            </a:r>
-            <a:r>
-              <a:rPr lang="zh-CN" altLang="en-US" dirty="0"/>
-              <a:t> </a:t>
-            </a:r>
-            <a:r>
-              <a:rPr lang="en-US" altLang="zh-CN" dirty="0"/>
-              <a:t>on</a:t>
-            </a:r>
-            <a:r>
-              <a:rPr lang="zh-CN" altLang="en-US" dirty="0"/>
-              <a:t> </a:t>
-            </a:r>
-            <a:r>
-              <a:rPr lang="en-US" altLang="zh-CN" dirty="0"/>
-              <a:t>helping</a:t>
-            </a:r>
-            <a:r>
-              <a:rPr lang="zh-CN" altLang="en-US" dirty="0"/>
-              <a:t> </a:t>
-            </a:r>
-            <a:r>
-              <a:rPr lang="en-US" altLang="zh-CN" dirty="0"/>
-              <a:t>those</a:t>
-            </a:r>
-            <a:r>
-              <a:rPr lang="zh-CN" altLang="en-US" dirty="0"/>
-              <a:t> </a:t>
-            </a:r>
-            <a:r>
-              <a:rPr lang="en-US" altLang="zh-CN" dirty="0"/>
-              <a:t>who</a:t>
-            </a:r>
-            <a:r>
-              <a:rPr lang="zh-CN" altLang="en-US" dirty="0"/>
-              <a:t> </a:t>
-            </a:r>
-            <a:r>
-              <a:rPr lang="en-US" altLang="zh-CN" dirty="0"/>
-              <a:t>might</a:t>
-            </a:r>
-            <a:r>
-              <a:rPr lang="zh-CN" altLang="en-US" dirty="0"/>
-              <a:t> </a:t>
-            </a:r>
-            <a:r>
-              <a:rPr lang="en-US" altLang="zh-CN" dirty="0"/>
-              <a:t>not</a:t>
-            </a:r>
-            <a:r>
-              <a:rPr lang="zh-CN" altLang="en-US" dirty="0"/>
-              <a:t> </a:t>
-            </a:r>
-            <a:r>
-              <a:rPr lang="en-US" altLang="zh-CN" dirty="0"/>
-              <a:t>be</a:t>
-            </a:r>
-            <a:r>
-              <a:rPr lang="zh-CN" altLang="en-US" dirty="0"/>
-              <a:t> </a:t>
-            </a:r>
-            <a:r>
-              <a:rPr lang="en-US" altLang="zh-CN" dirty="0"/>
-              <a:t>approved</a:t>
-            </a:r>
-            <a:r>
-              <a:rPr lang="zh-CN" altLang="en-US" dirty="0"/>
-              <a:t> </a:t>
-            </a:r>
-            <a:r>
-              <a:rPr lang="en-US" altLang="zh-CN" dirty="0"/>
-              <a:t>become</a:t>
-            </a:r>
-            <a:r>
-              <a:rPr lang="zh-CN" altLang="en-US" dirty="0"/>
-              <a:t> </a:t>
-            </a:r>
-            <a:r>
-              <a:rPr lang="en-US" altLang="zh-CN" dirty="0"/>
-              <a:t>aware</a:t>
-            </a:r>
-            <a:r>
-              <a:rPr lang="zh-CN" altLang="en-US" dirty="0"/>
-              <a:t> </a:t>
-            </a:r>
-            <a:r>
-              <a:rPr lang="en-US" altLang="zh-CN" dirty="0"/>
-              <a:t>of</a:t>
-            </a:r>
-            <a:r>
-              <a:rPr lang="zh-CN" altLang="en-US" dirty="0"/>
-              <a:t> </a:t>
-            </a:r>
-            <a:r>
-              <a:rPr lang="en-US" altLang="zh-CN" dirty="0"/>
-              <a:t>their</a:t>
-            </a:r>
-            <a:r>
-              <a:rPr lang="zh-CN" altLang="en-US" dirty="0"/>
-              <a:t> </a:t>
-            </a:r>
-            <a:r>
-              <a:rPr lang="en-US" altLang="zh-CN" dirty="0"/>
-              <a:t>risks</a:t>
-            </a:r>
-          </a:p>
-          <a:p>
-            <a:pPr marL="285750" indent="-285750">
-              <a:buFont typeface="Arial" panose="020B0604020202020204" pitchFamily="34" charset="0"/>
-              <a:buChar char="•"/>
-            </a:pPr>
-            <a:r>
-              <a:rPr lang="en-US" altLang="zh-CN" b="1" dirty="0"/>
-              <a:t>No</a:t>
-            </a:r>
-            <a:r>
-              <a:rPr lang="zh-CN" altLang="en-US" b="1" dirty="0"/>
-              <a:t> </a:t>
-            </a:r>
-            <a:r>
-              <a:rPr lang="en-US" altLang="zh-CN" b="1" dirty="0"/>
-              <a:t>prominent</a:t>
-            </a:r>
-            <a:r>
-              <a:rPr lang="zh-CN" altLang="en-US" b="1" dirty="0"/>
-              <a:t> </a:t>
-            </a:r>
-            <a:r>
-              <a:rPr lang="en-US" altLang="zh-CN" b="1" dirty="0"/>
-              <a:t>self-fulfilling</a:t>
-            </a:r>
-            <a:r>
-              <a:rPr lang="zh-CN" altLang="en-US" b="1" dirty="0"/>
-              <a:t> </a:t>
-            </a:r>
-            <a:r>
-              <a:rPr lang="en-US" altLang="zh-CN" b="1" dirty="0"/>
-              <a:t>feedback</a:t>
-            </a:r>
-            <a:r>
-              <a:rPr lang="zh-CN" altLang="en-US" b="1" dirty="0"/>
-              <a:t> </a:t>
-            </a:r>
-            <a:r>
-              <a:rPr lang="en-US" altLang="zh-CN" b="1" dirty="0"/>
-              <a:t>loop:</a:t>
-            </a:r>
-            <a:r>
-              <a:rPr lang="zh-CN" altLang="en-US" b="1" dirty="0"/>
-              <a:t> </a:t>
-            </a:r>
-            <a:r>
-              <a:rPr lang="en-US" altLang="zh-CN" dirty="0"/>
-              <a:t>Whether</a:t>
-            </a:r>
-            <a:r>
-              <a:rPr lang="zh-CN" altLang="en-US" dirty="0"/>
-              <a:t> </a:t>
-            </a:r>
-            <a:r>
-              <a:rPr lang="en-US" altLang="zh-CN" dirty="0"/>
-              <a:t>an</a:t>
-            </a:r>
-            <a:r>
-              <a:rPr lang="zh-CN" altLang="en-US" dirty="0"/>
-              <a:t> </a:t>
-            </a:r>
-            <a:r>
-              <a:rPr lang="en-US" altLang="zh-CN" dirty="0"/>
-              <a:t>H1-B</a:t>
-            </a:r>
-            <a:r>
-              <a:rPr lang="zh-CN" altLang="en-US" dirty="0"/>
-              <a:t> </a:t>
-            </a:r>
-            <a:r>
-              <a:rPr lang="en-US" altLang="zh-CN" dirty="0"/>
-              <a:t>is</a:t>
-            </a:r>
-            <a:r>
-              <a:rPr lang="zh-CN" altLang="en-US" dirty="0"/>
-              <a:t> </a:t>
-            </a:r>
-            <a:r>
-              <a:rPr lang="en-US" altLang="zh-CN" dirty="0"/>
-              <a:t>going</a:t>
-            </a:r>
-            <a:r>
-              <a:rPr lang="zh-CN" altLang="en-US" dirty="0"/>
-              <a:t> </a:t>
-            </a:r>
-            <a:r>
-              <a:rPr lang="en-US" altLang="zh-CN" dirty="0"/>
-              <a:t>to</a:t>
-            </a:r>
-            <a:r>
-              <a:rPr lang="zh-CN" altLang="en-US" dirty="0"/>
-              <a:t> </a:t>
-            </a:r>
-            <a:r>
-              <a:rPr lang="en-US" altLang="zh-CN" dirty="0"/>
-              <a:t>be</a:t>
-            </a:r>
-            <a:r>
-              <a:rPr lang="zh-CN" altLang="en-US" dirty="0"/>
-              <a:t> </a:t>
-            </a:r>
-            <a:r>
-              <a:rPr lang="en-US" altLang="zh-CN" dirty="0"/>
-              <a:t>approved</a:t>
-            </a:r>
-            <a:r>
-              <a:rPr lang="zh-CN" altLang="en-US" dirty="0"/>
-              <a:t> </a:t>
-            </a:r>
-            <a:r>
-              <a:rPr lang="en-US" altLang="zh-CN" dirty="0"/>
-              <a:t>is</a:t>
-            </a:r>
-            <a:r>
-              <a:rPr lang="zh-CN" altLang="en-US" dirty="0"/>
-              <a:t> </a:t>
-            </a:r>
-            <a:r>
-              <a:rPr lang="en-US" altLang="zh-CN" dirty="0"/>
-              <a:t>determined</a:t>
-            </a:r>
-            <a:r>
-              <a:rPr lang="zh-CN" altLang="en-US" dirty="0"/>
-              <a:t> </a:t>
-            </a:r>
-            <a:r>
-              <a:rPr lang="en-US" altLang="zh-CN" dirty="0"/>
-              <a:t>entirely</a:t>
-            </a:r>
-            <a:r>
-              <a:rPr lang="zh-CN" altLang="en-US" dirty="0"/>
-              <a:t> </a:t>
-            </a:r>
-            <a:r>
-              <a:rPr lang="en-US" altLang="zh-CN" dirty="0"/>
-              <a:t>the</a:t>
-            </a:r>
-            <a:r>
-              <a:rPr lang="zh-CN" altLang="en-US" dirty="0"/>
-              <a:t> </a:t>
-            </a:r>
-            <a:r>
-              <a:rPr lang="en-US" altLang="zh-CN" dirty="0"/>
-              <a:t>competency</a:t>
-            </a:r>
-            <a:r>
-              <a:rPr lang="zh-CN" altLang="en-US" dirty="0"/>
-              <a:t> </a:t>
-            </a:r>
-            <a:r>
-              <a:rPr lang="en-US" altLang="zh-CN" dirty="0"/>
-              <a:t>of</a:t>
-            </a:r>
-            <a:r>
-              <a:rPr lang="zh-CN" altLang="en-US" dirty="0"/>
-              <a:t> </a:t>
-            </a:r>
-            <a:r>
-              <a:rPr lang="en-US" altLang="zh-CN" dirty="0"/>
-              <a:t>the</a:t>
-            </a:r>
-            <a:r>
-              <a:rPr lang="zh-CN" altLang="en-US" dirty="0"/>
-              <a:t> </a:t>
-            </a:r>
-            <a:r>
-              <a:rPr lang="en-US" altLang="zh-CN" dirty="0"/>
-              <a:t>employee</a:t>
-            </a:r>
-            <a:r>
-              <a:rPr lang="zh-CN" altLang="en-US" dirty="0"/>
-              <a:t> </a:t>
-            </a:r>
-            <a:r>
-              <a:rPr lang="en-US" altLang="zh-CN" dirty="0"/>
-              <a:t>and</a:t>
-            </a:r>
-            <a:r>
-              <a:rPr lang="zh-CN" altLang="en-US" dirty="0"/>
-              <a:t> </a:t>
-            </a:r>
-            <a:r>
-              <a:rPr lang="en-US" altLang="zh-CN" dirty="0"/>
-              <a:t>the</a:t>
-            </a:r>
-            <a:r>
-              <a:rPr lang="zh-CN" altLang="en-US" dirty="0"/>
-              <a:t> </a:t>
-            </a:r>
-            <a:r>
-              <a:rPr lang="en-US" altLang="zh-CN" dirty="0"/>
-              <a:t>industry</a:t>
-            </a:r>
-            <a:r>
-              <a:rPr lang="zh-CN" altLang="en-US" dirty="0"/>
-              <a:t> </a:t>
-            </a:r>
-            <a:r>
-              <a:rPr lang="en-US" altLang="zh-CN" dirty="0"/>
-              <a:t>demand.</a:t>
-            </a:r>
-            <a:r>
-              <a:rPr lang="zh-CN" altLang="en-US" dirty="0"/>
-              <a:t> </a:t>
-            </a:r>
-            <a:r>
-              <a:rPr lang="en-US" altLang="zh-CN" dirty="0"/>
-              <a:t>These</a:t>
-            </a:r>
-            <a:r>
-              <a:rPr lang="zh-CN" altLang="en-US" dirty="0"/>
-              <a:t> </a:t>
-            </a:r>
-            <a:r>
-              <a:rPr lang="en-US" altLang="zh-CN" dirty="0"/>
-              <a:t>two</a:t>
-            </a:r>
-            <a:r>
-              <a:rPr lang="zh-CN" altLang="en-US" dirty="0"/>
-              <a:t> </a:t>
-            </a:r>
-            <a:r>
-              <a:rPr lang="en-US" altLang="zh-CN" dirty="0"/>
-              <a:t>factors</a:t>
-            </a:r>
-            <a:r>
-              <a:rPr lang="zh-CN" altLang="en-US" dirty="0"/>
-              <a:t> </a:t>
-            </a:r>
-            <a:r>
-              <a:rPr lang="en-US" altLang="zh-CN" dirty="0"/>
-              <a:t>are</a:t>
-            </a:r>
-            <a:r>
-              <a:rPr lang="zh-CN" altLang="en-US" dirty="0"/>
-              <a:t> </a:t>
-            </a:r>
-            <a:r>
-              <a:rPr lang="en-US" altLang="zh-CN" dirty="0"/>
-              <a:t>unlikely</a:t>
-            </a:r>
-            <a:r>
-              <a:rPr lang="zh-CN" altLang="en-US" dirty="0"/>
-              <a:t> </a:t>
-            </a:r>
-            <a:r>
-              <a:rPr lang="en-US" altLang="zh-CN" dirty="0"/>
-              <a:t>to</a:t>
-            </a:r>
-            <a:r>
-              <a:rPr lang="zh-CN" altLang="en-US" dirty="0"/>
-              <a:t> </a:t>
-            </a:r>
-            <a:r>
-              <a:rPr lang="en-US" altLang="zh-CN" dirty="0"/>
-              <a:t>be</a:t>
-            </a:r>
-            <a:r>
-              <a:rPr lang="zh-CN" altLang="en-US" dirty="0"/>
-              <a:t> </a:t>
-            </a:r>
-            <a:r>
-              <a:rPr lang="en-US" altLang="zh-CN" dirty="0"/>
-              <a:t>affected</a:t>
-            </a:r>
-            <a:r>
-              <a:rPr lang="zh-CN" altLang="en-US" dirty="0"/>
-              <a:t> </a:t>
-            </a:r>
-            <a:r>
-              <a:rPr lang="en-US" altLang="zh-CN" dirty="0"/>
-              <a:t>by</a:t>
-            </a:r>
-            <a:r>
-              <a:rPr lang="zh-CN" altLang="en-US" dirty="0"/>
-              <a:t> </a:t>
-            </a:r>
-            <a:r>
-              <a:rPr lang="en-US" altLang="zh-CN" dirty="0"/>
-              <a:t>the</a:t>
-            </a:r>
-            <a:r>
-              <a:rPr lang="zh-CN" altLang="en-US" dirty="0"/>
-              <a:t> </a:t>
-            </a:r>
-            <a:r>
-              <a:rPr lang="en-US" altLang="zh-CN" dirty="0"/>
-              <a:t>prediction</a:t>
-            </a:r>
-            <a:r>
-              <a:rPr lang="zh-CN" altLang="en-US" dirty="0"/>
-              <a:t> </a:t>
-            </a:r>
-            <a:r>
-              <a:rPr lang="en-US" altLang="zh-CN" dirty="0"/>
-              <a:t>of</a:t>
-            </a:r>
-            <a:r>
-              <a:rPr lang="zh-CN" altLang="en-US" dirty="0"/>
-              <a:t> </a:t>
-            </a:r>
-            <a:r>
-              <a:rPr lang="en-US" altLang="zh-CN" dirty="0"/>
-              <a:t>the</a:t>
-            </a:r>
-            <a:r>
-              <a:rPr lang="zh-CN" altLang="en-US" dirty="0"/>
-              <a:t> </a:t>
-            </a:r>
-            <a:r>
-              <a:rPr lang="en-US" altLang="zh-CN" dirty="0"/>
-              <a:t>H1-B</a:t>
-            </a:r>
-            <a:r>
-              <a:rPr lang="zh-CN" altLang="en-US" dirty="0"/>
-              <a:t> </a:t>
-            </a:r>
-            <a:r>
-              <a:rPr lang="en-US" altLang="zh-CN" dirty="0"/>
-              <a:t>application</a:t>
-            </a:r>
-            <a:r>
-              <a:rPr lang="zh-CN" altLang="en-US" dirty="0"/>
-              <a:t> </a:t>
-            </a:r>
-            <a:r>
-              <a:rPr lang="en-US" altLang="zh-CN" dirty="0"/>
-              <a:t>status</a:t>
-            </a:r>
-          </a:p>
-          <a:p>
-            <a:pPr marL="285750" indent="-285750">
-              <a:buFont typeface="Arial" panose="020B0604020202020204" pitchFamily="34" charset="0"/>
-              <a:buChar char="•"/>
-            </a:pPr>
-            <a:r>
-              <a:rPr lang="en-US" altLang="zh-CN" b="1" dirty="0"/>
-              <a:t>Demand</a:t>
-            </a:r>
-            <a:r>
-              <a:rPr lang="zh-CN" altLang="en-US" b="1" dirty="0"/>
-              <a:t> </a:t>
-            </a:r>
-            <a:r>
-              <a:rPr lang="en-US" altLang="zh-CN" b="1" dirty="0"/>
-              <a:t>&amp;</a:t>
-            </a:r>
-            <a:r>
-              <a:rPr lang="zh-CN" altLang="en-US" b="1" dirty="0"/>
-              <a:t> </a:t>
-            </a:r>
-            <a:r>
-              <a:rPr lang="en-US" altLang="zh-CN" b="1" dirty="0"/>
-              <a:t>supply</a:t>
-            </a:r>
-            <a:r>
-              <a:rPr lang="en-US" altLang="zh-CN" dirty="0"/>
-              <a:t>:</a:t>
-            </a:r>
-            <a:r>
-              <a:rPr lang="zh-CN" altLang="en-US" dirty="0"/>
-              <a:t> </a:t>
-            </a:r>
-            <a:r>
-              <a:rPr lang="en-US" altLang="zh-CN" dirty="0"/>
-              <a:t>The employment is based on demand and supply. </a:t>
-            </a:r>
-          </a:p>
-          <a:p>
-            <a:endParaRPr lang="en-US" altLang="zh-CN" dirty="0"/>
+              <a:rPr lang="en-US" dirty="0"/>
+              <a:t>Future work</a:t>
+            </a:r>
           </a:p>
         </p:txBody>
       </p:sp>
     </p:spTree>
     <p:extLst>
       <p:ext uri="{BB962C8B-B14F-4D97-AF65-F5344CB8AC3E}">
-        <p14:creationId xmlns:p14="http://schemas.microsoft.com/office/powerpoint/2010/main" val="3147588137"/>
+        <p14:creationId xmlns:p14="http://schemas.microsoft.com/office/powerpoint/2010/main" val="1082780974"/>
       </p:ext>
     </p:extLst>
   </p:cSld>
@@ -17629,12 +17629,6 @@
 </file>
 
 <file path=customXml/item1.xml><?xml version="1.0" encoding="utf-8"?>
-<p:properties xmlns:p="http://schemas.microsoft.com/office/2006/metadata/properties" xmlns:xsi="http://www.w3.org/2001/XMLSchema-instance" xmlns:pc="http://schemas.microsoft.com/office/infopath/2007/PartnerControls">
-  <documentManagement/>
-</p:properties>
-</file>
-
-<file path=customXml/item2.xml><?xml version="1.0" encoding="utf-8"?>
 <ct:contentTypeSchema xmlns:ct="http://schemas.microsoft.com/office/2006/metadata/contentType" xmlns:ma="http://schemas.microsoft.com/office/2006/metadata/properties/metaAttributes" ct:_="" ma:_="" ma:contentTypeName="Document" ma:contentTypeID="0x010100E4E48E5D017E1E4BAC6C235E437E8B81" ma:contentTypeVersion="1" ma:contentTypeDescription="Create a new document." ma:contentTypeScope="" ma:versionID="3614ce1bb16ec63bf293f189bde7aefe">
   <xsd:schema xmlns:xsd="http://www.w3.org/2001/XMLSchema" xmlns:xs="http://www.w3.org/2001/XMLSchema" xmlns:p="http://schemas.microsoft.com/office/2006/metadata/properties" xmlns:ns3="e4c1ce05-e5f0-4c81-a246-c4d1ac965303" targetNamespace="http://schemas.microsoft.com/office/2006/metadata/properties" ma:root="true" ma:fieldsID="4f49565d3251dd9cea50611ca027943f" ns3:_="">
     <xsd:import namespace="e4c1ce05-e5f0-4c81-a246-c4d1ac965303"/>
@@ -17774,16 +17768,13 @@
 </ct:contentTypeSchema>
 </file>
 
-<file path=customXml/itemProps1.xml><?xml version="1.0" encoding="utf-8"?>
-<ds:datastoreItem xmlns:ds="http://schemas.openxmlformats.org/officeDocument/2006/customXml" ds:itemID="{DC769373-594B-497F-B29F-9AD96F02CA37}">
-  <ds:schemaRefs>
-    <ds:schemaRef ds:uri="http://schemas.microsoft.com/office/2006/metadata/properties"/>
-    <ds:schemaRef ds:uri="http://schemas.microsoft.com/office/infopath/2007/PartnerControls"/>
-  </ds:schemaRefs>
-</ds:datastoreItem>
+<file path=customXml/item2.xml><?xml version="1.0" encoding="utf-8"?>
+<p:properties xmlns:p="http://schemas.microsoft.com/office/2006/metadata/properties" xmlns:xsi="http://www.w3.org/2001/XMLSchema-instance" xmlns:pc="http://schemas.microsoft.com/office/infopath/2007/PartnerControls">
+  <documentManagement/>
+</p:properties>
 </file>
 
-<file path=customXml/itemProps2.xml><?xml version="1.0" encoding="utf-8"?>
+<file path=customXml/itemProps1.xml><?xml version="1.0" encoding="utf-8"?>
 <ds:datastoreItem xmlns:ds="http://schemas.openxmlformats.org/officeDocument/2006/customXml" ds:itemID="{14111076-6C93-404C-A722-C485E711B1E1}">
   <ds:schemaRefs>
     <ds:schemaRef ds:uri="http://schemas.microsoft.com/office/2006/metadata/contentType"/>
@@ -17799,4 +17790,13 @@
     <ds:schemaRef ds:uri="http://schemas.microsoft.com/internal/obd"/>
   </ds:schemaRefs>
 </ds:datastoreItem>
+</file>
+
+<file path=customXml/itemProps2.xml><?xml version="1.0" encoding="utf-8"?>
+<ds:datastoreItem xmlns:ds="http://schemas.openxmlformats.org/officeDocument/2006/customXml" ds:itemID="{DC769373-594B-497F-B29F-9AD96F02CA37}">
+  <ds:schemaRefs>
+    <ds:schemaRef ds:uri="http://schemas.microsoft.com/office/2006/metadata/properties"/>
+    <ds:schemaRef ds:uri="http://schemas.microsoft.com/office/infopath/2007/PartnerControls"/>
+  </ds:schemaRefs>
+</ds:datastoreItem>
 </file>